--- a/UML/REMA.pptx
+++ b/UML/REMA.pptx
@@ -5,10 +5,10 @@
     <p:sldMasterId id="2147483648" r:id="rId1"/>
   </p:sldMasterIdLst>
   <p:notesMasterIdLst>
-    <p:notesMasterId r:id="rId25"/>
+    <p:notesMasterId r:id="rId26"/>
   </p:notesMasterIdLst>
   <p:handoutMasterIdLst>
-    <p:handoutMasterId r:id="rId26"/>
+    <p:handoutMasterId r:id="rId27"/>
   </p:handoutMasterIdLst>
   <p:sldIdLst>
     <p:sldId id="256" r:id="rId2"/>
@@ -34,6 +34,7 @@
     <p:sldId id="277" r:id="rId22"/>
     <p:sldId id="278" r:id="rId23"/>
     <p:sldId id="279" r:id="rId24"/>
+    <p:sldId id="280" r:id="rId25"/>
   </p:sldIdLst>
   <p:sldSz cx="12192000" cy="6858000"/>
   <p:notesSz cx="6858000" cy="9144000"/>
@@ -225,7 +226,7 @@
           <a:p>
             <a:fld id="{061C5132-FFA3-4B02-9F09-22FCF40EFA74}" type="datetimeFigureOut">
               <a:rPr lang="en-US" smtClean="0"/>
-              <a:t>3/26/2021</a:t>
+              <a:t>4/12/2021</a:t>
             </a:fld>
             <a:endParaRPr lang="en-US"/>
           </a:p>
@@ -390,7 +391,7 @@
           <a:p>
             <a:fld id="{0B6E42C9-243F-4DC5-AFF6-9D56B5FA9D63}" type="datetimeFigureOut">
               <a:rPr lang="en-US" smtClean="0"/>
-              <a:t>3/26/2021</a:t>
+              <a:t>4/12/2021</a:t>
             </a:fld>
             <a:endParaRPr lang="en-US"/>
           </a:p>
@@ -1067,7 +1068,7 @@
           <a:p>
             <a:fld id="{B0FE2824-C2A0-4931-BB32-60B24BDBB3CC}" type="datetimeFigureOut">
               <a:rPr lang="en-US" smtClean="0"/>
-              <a:t>3/26/2021</a:t>
+              <a:t>4/12/2021</a:t>
             </a:fld>
             <a:endParaRPr lang="en-US"/>
           </a:p>
@@ -1263,7 +1264,7 @@
           <a:p>
             <a:fld id="{B0FE2824-C2A0-4931-BB32-60B24BDBB3CC}" type="datetimeFigureOut">
               <a:rPr lang="en-US" smtClean="0"/>
-              <a:t>3/26/2021</a:t>
+              <a:t>4/12/2021</a:t>
             </a:fld>
             <a:endParaRPr lang="en-US"/>
           </a:p>
@@ -1445,7 +1446,7 @@
           <a:p>
             <a:fld id="{B0FE2824-C2A0-4931-BB32-60B24BDBB3CC}" type="datetimeFigureOut">
               <a:rPr lang="en-US" smtClean="0"/>
-              <a:t>3/26/2021</a:t>
+              <a:t>4/12/2021</a:t>
             </a:fld>
             <a:endParaRPr lang="en-US"/>
           </a:p>
@@ -1952,7 +1953,7 @@
           <a:p>
             <a:fld id="{B0FE2824-C2A0-4931-BB32-60B24BDBB3CC}" type="datetimeFigureOut">
               <a:rPr lang="en-US" smtClean="0"/>
-              <a:t>3/26/2021</a:t>
+              <a:t>4/12/2021</a:t>
             </a:fld>
             <a:endParaRPr lang="en-US"/>
           </a:p>
@@ -2396,7 +2397,7 @@
           <a:p>
             <a:fld id="{B0FE2824-C2A0-4931-BB32-60B24BDBB3CC}" type="datetimeFigureOut">
               <a:rPr lang="en-US" smtClean="0"/>
-              <a:t>3/26/2021</a:t>
+              <a:t>4/12/2021</a:t>
             </a:fld>
             <a:endParaRPr lang="en-US"/>
           </a:p>
@@ -2526,7 +2527,7 @@
           <a:p>
             <a:fld id="{B0FE2824-C2A0-4931-BB32-60B24BDBB3CC}" type="datetimeFigureOut">
               <a:rPr lang="en-US" smtClean="0"/>
-              <a:t>3/26/2021</a:t>
+              <a:t>4/12/2021</a:t>
             </a:fld>
             <a:endParaRPr lang="en-US"/>
           </a:p>
@@ -2633,7 +2634,7 @@
           <a:p>
             <a:fld id="{B0FE2824-C2A0-4931-BB32-60B24BDBB3CC}" type="datetimeFigureOut">
               <a:rPr lang="en-US" smtClean="0"/>
-              <a:t>3/26/2021</a:t>
+              <a:t>4/12/2021</a:t>
             </a:fld>
             <a:endParaRPr lang="en-US"/>
           </a:p>
@@ -2929,7 +2930,7 @@
           <a:p>
             <a:fld id="{B0FE2824-C2A0-4931-BB32-60B24BDBB3CC}" type="datetimeFigureOut">
               <a:rPr lang="en-US" smtClean="0"/>
-              <a:t>3/26/2021</a:t>
+              <a:t>4/12/2021</a:t>
             </a:fld>
             <a:endParaRPr lang="en-US"/>
           </a:p>
@@ -3203,7 +3204,7 @@
           <a:p>
             <a:fld id="{B0FE2824-C2A0-4931-BB32-60B24BDBB3CC}" type="datetimeFigureOut">
               <a:rPr lang="en-US" smtClean="0"/>
-              <a:t>3/26/2021</a:t>
+              <a:t>4/12/2021</a:t>
             </a:fld>
             <a:endParaRPr lang="en-US"/>
           </a:p>
@@ -3504,7 +3505,7 @@
             <a:fld id="{B0FE2824-C2A0-4931-BB32-60B24BDBB3CC}" type="datetimeFigureOut">
               <a:rPr lang="en-US" smtClean="0"/>
               <a:pPr/>
-              <a:t>3/26/2021</a:t>
+              <a:t>4/12/2021</a:t>
             </a:fld>
             <a:endParaRPr lang="en-US"/>
           </a:p>
@@ -3896,12 +3897,12 @@
   <p:extLst mod="1">
     <p:ext uri="{27BBF7A9-308A-43DC-89C8-2F10F3537804}">
       <p15:sldGuideLst xmlns:p15="http://schemas.microsoft.com/office/powerpoint/2012/main">
-        <p15:guide id="1" pos="3840" userDrawn="1">
+        <p15:guide id="1" pos="3840">
           <p15:clr>
             <a:srgbClr val="F26B43"/>
           </p15:clr>
         </p15:guide>
-        <p15:guide id="2" orient="horz" pos="2160" userDrawn="1">
+        <p15:guide id="2" orient="horz" pos="2160">
           <p15:clr>
             <a:srgbClr val="F26B43"/>
           </p15:clr>
@@ -4189,13 +4190,13 @@
   <p:clrMapOvr>
     <a:masterClrMapping/>
   </p:clrMapOvr>
-  <mc:AlternateContent xmlns:mc="http://schemas.openxmlformats.org/markup-compatibility/2006">
-    <mc:Choice xmlns:p14="http://schemas.microsoft.com/office/powerpoint/2010/main" Requires="p14">
+  <mc:AlternateContent xmlns:mc="http://schemas.openxmlformats.org/markup-compatibility/2006" xmlns:p14="http://schemas.microsoft.com/office/powerpoint/2010/main">
+    <mc:Choice Requires="p14">
       <p:transition spd="med" p14:dur="700">
         <p:fade/>
       </p:transition>
     </mc:Choice>
-    <mc:Fallback>
+    <mc:Fallback xmlns="">
       <p:transition spd="med">
         <p:fade/>
       </p:transition>
@@ -4285,13 +4286,13 @@
   <p:clrMapOvr>
     <a:masterClrMapping/>
   </p:clrMapOvr>
-  <mc:AlternateContent xmlns:mc="http://schemas.openxmlformats.org/markup-compatibility/2006">
-    <mc:Choice xmlns:p14="http://schemas.microsoft.com/office/powerpoint/2010/main" Requires="p14">
+  <mc:AlternateContent xmlns:mc="http://schemas.openxmlformats.org/markup-compatibility/2006" xmlns:p14="http://schemas.microsoft.com/office/powerpoint/2010/main">
+    <mc:Choice Requires="p14">
       <p:transition spd="med" p14:dur="700">
         <p:fade/>
       </p:transition>
     </mc:Choice>
-    <mc:Fallback>
+    <mc:Fallback xmlns="">
       <p:transition spd="med">
         <p:fade/>
       </p:transition>
@@ -4381,13 +4382,13 @@
   <p:clrMapOvr>
     <a:masterClrMapping/>
   </p:clrMapOvr>
-  <mc:AlternateContent xmlns:mc="http://schemas.openxmlformats.org/markup-compatibility/2006">
-    <mc:Choice xmlns:p14="http://schemas.microsoft.com/office/powerpoint/2010/main" Requires="p14">
+  <mc:AlternateContent xmlns:mc="http://schemas.openxmlformats.org/markup-compatibility/2006" xmlns:p14="http://schemas.microsoft.com/office/powerpoint/2010/main">
+    <mc:Choice Requires="p14">
       <p:transition spd="med" p14:dur="700">
         <p:fade/>
       </p:transition>
     </mc:Choice>
-    <mc:Fallback>
+    <mc:Fallback xmlns="">
       <p:transition spd="med">
         <p:fade/>
       </p:transition>
@@ -4477,13 +4478,13 @@
   <p:clrMapOvr>
     <a:masterClrMapping/>
   </p:clrMapOvr>
-  <mc:AlternateContent xmlns:mc="http://schemas.openxmlformats.org/markup-compatibility/2006">
-    <mc:Choice xmlns:p14="http://schemas.microsoft.com/office/powerpoint/2010/main" Requires="p14">
+  <mc:AlternateContent xmlns:mc="http://schemas.openxmlformats.org/markup-compatibility/2006" xmlns:p14="http://schemas.microsoft.com/office/powerpoint/2010/main">
+    <mc:Choice Requires="p14">
       <p:transition spd="med" p14:dur="700">
         <p:fade/>
       </p:transition>
     </mc:Choice>
-    <mc:Fallback>
+    <mc:Fallback xmlns="">
       <p:transition spd="med">
         <p:fade/>
       </p:transition>
@@ -4573,13 +4574,13 @@
   <p:clrMapOvr>
     <a:masterClrMapping/>
   </p:clrMapOvr>
-  <mc:AlternateContent xmlns:mc="http://schemas.openxmlformats.org/markup-compatibility/2006">
-    <mc:Choice xmlns:p14="http://schemas.microsoft.com/office/powerpoint/2010/main" Requires="p14">
+  <mc:AlternateContent xmlns:mc="http://schemas.openxmlformats.org/markup-compatibility/2006" xmlns:p14="http://schemas.microsoft.com/office/powerpoint/2010/main">
+    <mc:Choice Requires="p14">
       <p:transition spd="med" p14:dur="700">
         <p:fade/>
       </p:transition>
     </mc:Choice>
-    <mc:Fallback>
+    <mc:Fallback xmlns="">
       <p:transition spd="med">
         <p:fade/>
       </p:transition>
@@ -4669,13 +4670,13 @@
   <p:clrMapOvr>
     <a:masterClrMapping/>
   </p:clrMapOvr>
-  <mc:AlternateContent xmlns:mc="http://schemas.openxmlformats.org/markup-compatibility/2006">
-    <mc:Choice xmlns:p14="http://schemas.microsoft.com/office/powerpoint/2010/main" Requires="p14">
+  <mc:AlternateContent xmlns:mc="http://schemas.openxmlformats.org/markup-compatibility/2006" xmlns:p14="http://schemas.microsoft.com/office/powerpoint/2010/main">
+    <mc:Choice Requires="p14">
       <p:transition spd="med" p14:dur="700">
         <p:fade/>
       </p:transition>
     </mc:Choice>
-    <mc:Fallback>
+    <mc:Fallback xmlns="">
       <p:transition spd="med">
         <p:fade/>
       </p:transition>
@@ -4765,13 +4766,13 @@
   <p:clrMapOvr>
     <a:masterClrMapping/>
   </p:clrMapOvr>
-  <mc:AlternateContent xmlns:mc="http://schemas.openxmlformats.org/markup-compatibility/2006">
-    <mc:Choice xmlns:p14="http://schemas.microsoft.com/office/powerpoint/2010/main" Requires="p14">
+  <mc:AlternateContent xmlns:mc="http://schemas.openxmlformats.org/markup-compatibility/2006" xmlns:p14="http://schemas.microsoft.com/office/powerpoint/2010/main">
+    <mc:Choice Requires="p14">
       <p:transition spd="med" p14:dur="700">
         <p:fade/>
       </p:transition>
     </mc:Choice>
-    <mc:Fallback>
+    <mc:Fallback xmlns="">
       <p:transition spd="med">
         <p:fade/>
       </p:transition>
@@ -4914,13 +4915,13 @@
   <p:clrMapOvr>
     <a:masterClrMapping/>
   </p:clrMapOvr>
-  <mc:AlternateContent xmlns:mc="http://schemas.openxmlformats.org/markup-compatibility/2006">
-    <mc:Choice xmlns:p14="http://schemas.microsoft.com/office/powerpoint/2010/main" Requires="p14">
+  <mc:AlternateContent xmlns:mc="http://schemas.openxmlformats.org/markup-compatibility/2006" xmlns:p14="http://schemas.microsoft.com/office/powerpoint/2010/main">
+    <mc:Choice Requires="p14">
       <p:transition spd="med" p14:dur="700">
         <p:fade/>
       </p:transition>
     </mc:Choice>
-    <mc:Fallback>
+    <mc:Fallback xmlns="">
       <p:transition spd="med">
         <p:fade/>
       </p:transition>
@@ -5014,13 +5015,13 @@
   <p:clrMapOvr>
     <a:masterClrMapping/>
   </p:clrMapOvr>
-  <mc:AlternateContent xmlns:mc="http://schemas.openxmlformats.org/markup-compatibility/2006">
-    <mc:Choice xmlns:p14="http://schemas.microsoft.com/office/powerpoint/2010/main" Requires="p14">
+  <mc:AlternateContent xmlns:mc="http://schemas.openxmlformats.org/markup-compatibility/2006" xmlns:p14="http://schemas.microsoft.com/office/powerpoint/2010/main">
+    <mc:Choice Requires="p14">
       <p:transition spd="med" p14:dur="700">
         <p:fade/>
       </p:transition>
     </mc:Choice>
-    <mc:Fallback>
+    <mc:Fallback xmlns="">
       <p:transition spd="med">
         <p:fade/>
       </p:transition>
@@ -5273,13 +5274,13 @@
   <p:clrMapOvr>
     <a:masterClrMapping/>
   </p:clrMapOvr>
-  <mc:AlternateContent xmlns:mc="http://schemas.openxmlformats.org/markup-compatibility/2006">
-    <mc:Choice xmlns:p14="http://schemas.microsoft.com/office/powerpoint/2010/main" Requires="p14">
+  <mc:AlternateContent xmlns:mc="http://schemas.openxmlformats.org/markup-compatibility/2006" xmlns:p14="http://schemas.microsoft.com/office/powerpoint/2010/main">
+    <mc:Choice Requires="p14">
       <p:transition spd="med" p14:dur="700">
         <p:fade/>
       </p:transition>
     </mc:Choice>
-    <mc:Fallback>
+    <mc:Fallback xmlns="">
       <p:transition spd="med">
         <p:fade/>
       </p:transition>
@@ -7012,13 +7013,13 @@
   <p:clrMapOvr>
     <a:masterClrMapping/>
   </p:clrMapOvr>
-  <mc:AlternateContent xmlns:mc="http://schemas.openxmlformats.org/markup-compatibility/2006">
-    <mc:Choice xmlns:p14="http://schemas.microsoft.com/office/powerpoint/2010/main" Requires="p14">
+  <mc:AlternateContent xmlns:mc="http://schemas.openxmlformats.org/markup-compatibility/2006" xmlns:p14="http://schemas.microsoft.com/office/powerpoint/2010/main">
+    <mc:Choice Requires="p14">
       <p:transition spd="med" p14:dur="700">
         <p:fade/>
       </p:transition>
     </mc:Choice>
-    <mc:Fallback>
+    <mc:Fallback xmlns="">
       <p:transition spd="med">
         <p:fade/>
       </p:transition>
@@ -8936,13 +8937,13 @@
   <p:clrMapOvr>
     <a:masterClrMapping/>
   </p:clrMapOvr>
-  <mc:AlternateContent xmlns:mc="http://schemas.openxmlformats.org/markup-compatibility/2006">
-    <mc:Choice xmlns:p14="http://schemas.microsoft.com/office/powerpoint/2010/main" Requires="p14">
+  <mc:AlternateContent xmlns:mc="http://schemas.openxmlformats.org/markup-compatibility/2006" xmlns:p14="http://schemas.microsoft.com/office/powerpoint/2010/main">
+    <mc:Choice Requires="p14">
       <p:transition spd="med" p14:dur="700">
         <p:fade/>
       </p:transition>
     </mc:Choice>
-    <mc:Fallback>
+    <mc:Fallback xmlns="">
       <p:transition spd="med">
         <p:fade/>
       </p:transition>
@@ -9673,6 +9674,627 @@
     <p:extLst>
       <p:ext uri="{BB962C8B-B14F-4D97-AF65-F5344CB8AC3E}">
         <p14:creationId xmlns:p14="http://schemas.microsoft.com/office/powerpoint/2010/main" val="3873424948"/>
+      </p:ext>
+    </p:extLst>
+  </p:cSld>
+  <p:clrMapOvr>
+    <a:masterClrMapping/>
+  </p:clrMapOvr>
+  <mc:AlternateContent xmlns:mc="http://schemas.openxmlformats.org/markup-compatibility/2006" xmlns:p14="http://schemas.microsoft.com/office/powerpoint/2010/main">
+    <mc:Choice Requires="p14">
+      <p:transition spd="med" p14:dur="700">
+        <p:fade/>
+      </p:transition>
+    </mc:Choice>
+    <mc:Fallback xmlns="">
+      <p:transition spd="med">
+        <p:fade/>
+      </p:transition>
+    </mc:Fallback>
+  </mc:AlternateContent>
+</p:sld>
+</file>
+
+<file path=ppt/slides/slide24.xml><?xml version="1.0" encoding="utf-8"?>
+<p:sld xmlns:a="http://schemas.openxmlformats.org/drawingml/2006/main" xmlns:r="http://schemas.openxmlformats.org/officeDocument/2006/relationships" xmlns:p="http://schemas.openxmlformats.org/presentationml/2006/main">
+  <p:cSld>
+    <p:spTree>
+      <p:nvGrpSpPr>
+        <p:cNvPr id="1" name=""/>
+        <p:cNvGrpSpPr/>
+        <p:nvPr/>
+      </p:nvGrpSpPr>
+      <p:grpSpPr>
+        <a:xfrm>
+          <a:off x="0" y="0"/>
+          <a:ext cx="0" cy="0"/>
+          <a:chOff x="0" y="0"/>
+          <a:chExt cx="0" cy="0"/>
+        </a:xfrm>
+      </p:grpSpPr>
+      <p:sp>
+        <p:nvSpPr>
+          <p:cNvPr id="2" name="Title 1"/>
+          <p:cNvSpPr>
+            <a:spLocks noGrp="1"/>
+          </p:cNvSpPr>
+          <p:nvPr>
+            <p:ph type="title"/>
+          </p:nvPr>
+        </p:nvSpPr>
+        <p:spPr>
+          <a:xfrm>
+            <a:off x="1271464" y="332656"/>
+            <a:ext cx="9433048" cy="615602"/>
+          </a:xfrm>
+        </p:spPr>
+        <p:txBody>
+          <a:bodyPr anchor="ctr">
+            <a:normAutofit/>
+          </a:bodyPr>
+          <a:lstStyle/>
+          <a:p>
+            <a:pPr algn="ctr"/>
+            <a:r>
+              <a:rPr lang="en-US" sz="3200" dirty="0" smtClean="0"/>
+              <a:t>Agile Project Charter</a:t>
+            </a:r>
+            <a:endParaRPr lang="en-IN" sz="3200" dirty="0"/>
+          </a:p>
+        </p:txBody>
+      </p:sp>
+      <p:graphicFrame>
+        <p:nvGraphicFramePr>
+          <p:cNvPr id="4" name="Content Placeholder 3"/>
+          <p:cNvGraphicFramePr>
+            <a:graphicFrameLocks noGrp="1"/>
+          </p:cNvGraphicFramePr>
+          <p:nvPr>
+            <p:ph idx="1"/>
+            <p:extLst>
+              <p:ext uri="{D42A27DB-BD31-4B8C-83A1-F6EECF244321}">
+                <p14:modId xmlns:p14="http://schemas.microsoft.com/office/powerpoint/2010/main" val="4279683085"/>
+              </p:ext>
+            </p:extLst>
+          </p:nvPr>
+        </p:nvGraphicFramePr>
+        <p:xfrm>
+          <a:off x="550863" y="947738"/>
+          <a:ext cx="10802938" cy="5255478"/>
+        </p:xfrm>
+        <a:graphic>
+          <a:graphicData uri="http://schemas.openxmlformats.org/drawingml/2006/table">
+            <a:tbl>
+              <a:tblPr firstRow="1" bandRow="1">
+                <a:tableStyleId>{0E3FDE45-AF77-4B5C-9715-49D594BDF05E}</a:tableStyleId>
+              </a:tblPr>
+              <a:tblGrid>
+                <a:gridCol w="4681041"/>
+                <a:gridCol w="6121897"/>
+              </a:tblGrid>
+              <a:tr h="465038">
+                <a:tc>
+                  <a:txBody>
+                    <a:bodyPr/>
+                    <a:lstStyle/>
+                    <a:p>
+                      <a:pPr algn="l"/>
+                      <a:r>
+                        <a:rPr lang="en-US" dirty="0" smtClean="0">
+                          <a:solidFill>
+                            <a:schemeClr val="tx1">
+                              <a:lumMod val="95000"/>
+                            </a:schemeClr>
+                          </a:solidFill>
+                        </a:rPr>
+                        <a:t>Title</a:t>
+                      </a:r>
+                      <a:endParaRPr lang="en-IN" dirty="0">
+                        <a:solidFill>
+                          <a:schemeClr val="tx1">
+                            <a:lumMod val="95000"/>
+                          </a:schemeClr>
+                        </a:solidFill>
+                      </a:endParaRPr>
+                    </a:p>
+                  </a:txBody>
+                  <a:tcPr>
+                    <a:solidFill>
+                      <a:schemeClr val="accent2">
+                        <a:lumMod val="75000"/>
+                      </a:schemeClr>
+                    </a:solidFill>
+                  </a:tcPr>
+                </a:tc>
+                <a:tc>
+                  <a:txBody>
+                    <a:bodyPr/>
+                    <a:lstStyle/>
+                    <a:p>
+                      <a:r>
+                        <a:rPr lang="en-US" dirty="0" smtClean="0"/>
+                        <a:t>Details</a:t>
+                      </a:r>
+                      <a:endParaRPr lang="en-IN" dirty="0"/>
+                    </a:p>
+                  </a:txBody>
+                  <a:tcPr>
+                    <a:solidFill>
+                      <a:schemeClr val="accent2">
+                        <a:lumMod val="75000"/>
+                      </a:schemeClr>
+                    </a:solidFill>
+                  </a:tcPr>
+                </a:tc>
+              </a:tr>
+              <a:tr h="370840">
+                <a:tc>
+                  <a:txBody>
+                    <a:bodyPr/>
+                    <a:lstStyle/>
+                    <a:p>
+                      <a:r>
+                        <a:rPr lang="en-US" dirty="0" smtClean="0"/>
+                        <a:t>Project Name</a:t>
+                      </a:r>
+                      <a:endParaRPr lang="en-IN" dirty="0"/>
+                    </a:p>
+                  </a:txBody>
+                  <a:tcPr>
+                    <a:solidFill>
+                      <a:srgbClr val="00B0F0">
+                        <a:alpha val="92000"/>
+                      </a:srgbClr>
+                    </a:solidFill>
+                  </a:tcPr>
+                </a:tc>
+                <a:tc>
+                  <a:txBody>
+                    <a:bodyPr/>
+                    <a:lstStyle/>
+                    <a:p>
+                      <a:r>
+                        <a:rPr lang="en-US" dirty="0" smtClean="0"/>
+                        <a:t>ReEMA</a:t>
+                      </a:r>
+                      <a:r>
+                        <a:rPr lang="en-US" baseline="0" dirty="0" smtClean="0"/>
+                        <a:t> (Real Estate Management Systems)</a:t>
+                      </a:r>
+                      <a:endParaRPr lang="en-IN" dirty="0"/>
+                    </a:p>
+                  </a:txBody>
+                  <a:tcPr>
+                    <a:solidFill>
+                      <a:srgbClr val="00B0F0">
+                        <a:alpha val="92000"/>
+                      </a:srgbClr>
+                    </a:solidFill>
+                  </a:tcPr>
+                </a:tc>
+              </a:tr>
+              <a:tr h="370840">
+                <a:tc>
+                  <a:txBody>
+                    <a:bodyPr/>
+                    <a:lstStyle/>
+                    <a:p>
+                      <a:r>
+                        <a:rPr lang="en-US" dirty="0" smtClean="0"/>
+                        <a:t>Project Scope</a:t>
+                      </a:r>
+                      <a:endParaRPr lang="en-IN" dirty="0"/>
+                    </a:p>
+                  </a:txBody>
+                  <a:tcPr>
+                    <a:solidFill>
+                      <a:srgbClr val="00B0F0">
+                        <a:alpha val="92000"/>
+                      </a:srgbClr>
+                    </a:solidFill>
+                  </a:tcPr>
+                </a:tc>
+                <a:tc>
+                  <a:txBody>
+                    <a:bodyPr/>
+                    <a:lstStyle/>
+                    <a:p>
+                      <a:r>
+                        <a:rPr lang="en-US" dirty="0" smtClean="0"/>
+                        <a:t>To Develop a new real estate application to allow</a:t>
+                      </a:r>
+                      <a:r>
+                        <a:rPr lang="en-US" baseline="0" dirty="0" smtClean="0"/>
+                        <a:t> consumer to</a:t>
+                      </a:r>
+                      <a:r>
+                        <a:rPr lang="en-US" dirty="0" smtClean="0"/>
+                        <a:t> rent/buy property online.</a:t>
+                      </a:r>
+                      <a:endParaRPr lang="en-IN" dirty="0"/>
+                    </a:p>
+                  </a:txBody>
+                  <a:tcPr>
+                    <a:solidFill>
+                      <a:srgbClr val="00B0F0">
+                        <a:alpha val="92000"/>
+                      </a:srgbClr>
+                    </a:solidFill>
+                  </a:tcPr>
+                </a:tc>
+              </a:tr>
+              <a:tr h="370840">
+                <a:tc>
+                  <a:txBody>
+                    <a:bodyPr/>
+                    <a:lstStyle/>
+                    <a:p>
+                      <a:r>
+                        <a:rPr lang="en-US" dirty="0" smtClean="0"/>
+                        <a:t>Project Description</a:t>
+                      </a:r>
+                      <a:endParaRPr lang="en-IN" dirty="0"/>
+                    </a:p>
+                  </a:txBody>
+                  <a:tcPr>
+                    <a:solidFill>
+                      <a:srgbClr val="00B0F0">
+                        <a:alpha val="92000"/>
+                      </a:srgbClr>
+                    </a:solidFill>
+                  </a:tcPr>
+                </a:tc>
+                <a:tc>
+                  <a:txBody>
+                    <a:bodyPr/>
+                    <a:lstStyle/>
+                    <a:p>
+                      <a:r>
+                        <a:rPr lang="en-US" dirty="0" smtClean="0"/>
+                        <a:t>Online Property</a:t>
+                      </a:r>
+                      <a:r>
+                        <a:rPr lang="en-US" baseline="0" dirty="0" smtClean="0"/>
+                        <a:t> advertise, Loan Property, Buy/Rent property, Any property specific process Etc.</a:t>
+                      </a:r>
+                      <a:endParaRPr lang="en-IN" dirty="0"/>
+                    </a:p>
+                  </a:txBody>
+                  <a:tcPr>
+                    <a:solidFill>
+                      <a:srgbClr val="00B0F0">
+                        <a:alpha val="92000"/>
+                      </a:srgbClr>
+                    </a:solidFill>
+                  </a:tcPr>
+                </a:tc>
+              </a:tr>
+              <a:tr h="370840">
+                <a:tc>
+                  <a:txBody>
+                    <a:bodyPr/>
+                    <a:lstStyle/>
+                    <a:p>
+                      <a:r>
+                        <a:rPr lang="en-US" dirty="0" smtClean="0"/>
+                        <a:t>Budget</a:t>
+                      </a:r>
+                      <a:endParaRPr lang="en-IN" dirty="0"/>
+                    </a:p>
+                  </a:txBody>
+                  <a:tcPr>
+                    <a:solidFill>
+                      <a:srgbClr val="00B0F0">
+                        <a:alpha val="92000"/>
+                      </a:srgbClr>
+                    </a:solidFill>
+                  </a:tcPr>
+                </a:tc>
+                <a:tc>
+                  <a:txBody>
+                    <a:bodyPr/>
+                    <a:lstStyle/>
+                    <a:p>
+                      <a:r>
+                        <a:rPr lang="en-US" dirty="0" smtClean="0"/>
+                        <a:t> 5000 INR.</a:t>
+                      </a:r>
+                      <a:endParaRPr lang="en-IN" dirty="0"/>
+                    </a:p>
+                  </a:txBody>
+                  <a:tcPr>
+                    <a:solidFill>
+                      <a:srgbClr val="00B0F0">
+                        <a:alpha val="92000"/>
+                      </a:srgbClr>
+                    </a:solidFill>
+                  </a:tcPr>
+                </a:tc>
+              </a:tr>
+              <a:tr h="370840">
+                <a:tc>
+                  <a:txBody>
+                    <a:bodyPr/>
+                    <a:lstStyle/>
+                    <a:p>
+                      <a:r>
+                        <a:rPr lang="en-US" dirty="0" smtClean="0"/>
+                        <a:t>Risks</a:t>
+                      </a:r>
+                      <a:endParaRPr lang="en-IN" dirty="0"/>
+                    </a:p>
+                  </a:txBody>
+                  <a:tcPr>
+                    <a:solidFill>
+                      <a:srgbClr val="00B0F0">
+                        <a:alpha val="92000"/>
+                      </a:srgbClr>
+                    </a:solidFill>
+                  </a:tcPr>
+                </a:tc>
+                <a:tc>
+                  <a:txBody>
+                    <a:bodyPr/>
+                    <a:lstStyle/>
+                    <a:p>
+                      <a:endParaRPr lang="en-IN" dirty="0"/>
+                    </a:p>
+                  </a:txBody>
+                  <a:tcPr>
+                    <a:solidFill>
+                      <a:srgbClr val="00B0F0">
+                        <a:alpha val="92000"/>
+                      </a:srgbClr>
+                    </a:solidFill>
+                  </a:tcPr>
+                </a:tc>
+              </a:tr>
+              <a:tr h="370840">
+                <a:tc>
+                  <a:txBody>
+                    <a:bodyPr/>
+                    <a:lstStyle/>
+                    <a:p>
+                      <a:r>
+                        <a:rPr lang="en-US" dirty="0" smtClean="0"/>
+                        <a:t>Project Members</a:t>
+                      </a:r>
+                      <a:endParaRPr lang="en-IN" dirty="0"/>
+                    </a:p>
+                  </a:txBody>
+                  <a:tcPr>
+                    <a:solidFill>
+                      <a:srgbClr val="00B0F0">
+                        <a:alpha val="92000"/>
+                      </a:srgbClr>
+                    </a:solidFill>
+                  </a:tcPr>
+                </a:tc>
+                <a:tc>
+                  <a:txBody>
+                    <a:bodyPr/>
+                    <a:lstStyle/>
+                    <a:p>
+                      <a:r>
+                        <a:rPr lang="en-US" dirty="0" smtClean="0"/>
+                        <a:t> Sudarshan Dey (195173693104), </a:t>
+                      </a:r>
+                    </a:p>
+                    <a:p>
+                      <a:r>
+                        <a:rPr lang="en-US" dirty="0" smtClean="0"/>
+                        <a:t> Balaji Itika(195173693041), </a:t>
+                      </a:r>
+                    </a:p>
+                    <a:p>
+                      <a:r>
+                        <a:rPr lang="en-US" dirty="0" smtClean="0"/>
+                        <a:t> Raj Parmar(185170693010)</a:t>
+                      </a:r>
+                      <a:endParaRPr lang="en-IN" dirty="0"/>
+                    </a:p>
+                  </a:txBody>
+                  <a:tcPr>
+                    <a:solidFill>
+                      <a:srgbClr val="00B0F0">
+                        <a:alpha val="92000"/>
+                      </a:srgbClr>
+                    </a:solidFill>
+                  </a:tcPr>
+                </a:tc>
+              </a:tr>
+              <a:tr h="370840">
+                <a:tc>
+                  <a:txBody>
+                    <a:bodyPr/>
+                    <a:lstStyle/>
+                    <a:p>
+                      <a:r>
+                        <a:rPr lang="en-US" dirty="0" smtClean="0"/>
+                        <a:t>Project Guide</a:t>
+                      </a:r>
+                      <a:endParaRPr lang="en-IN" dirty="0"/>
+                    </a:p>
+                  </a:txBody>
+                  <a:tcPr>
+                    <a:solidFill>
+                      <a:srgbClr val="00B0F0">
+                        <a:alpha val="92000"/>
+                      </a:srgbClr>
+                    </a:solidFill>
+                  </a:tcPr>
+                </a:tc>
+                <a:tc>
+                  <a:txBody>
+                    <a:bodyPr/>
+                    <a:lstStyle/>
+                    <a:p>
+                      <a:r>
+                        <a:rPr lang="en-US" dirty="0" smtClean="0"/>
+                        <a:t>Prof. Lajja Choksi</a:t>
+                      </a:r>
+                      <a:endParaRPr lang="en-IN" dirty="0"/>
+                    </a:p>
+                  </a:txBody>
+                  <a:tcPr>
+                    <a:solidFill>
+                      <a:srgbClr val="00B0F0">
+                        <a:alpha val="92000"/>
+                      </a:srgbClr>
+                    </a:solidFill>
+                  </a:tcPr>
+                </a:tc>
+              </a:tr>
+              <a:tr h="370840">
+                <a:tc>
+                  <a:txBody>
+                    <a:bodyPr/>
+                    <a:lstStyle/>
+                    <a:p>
+                      <a:r>
+                        <a:rPr lang="en-US" dirty="0" smtClean="0"/>
+                        <a:t>Duration</a:t>
+                      </a:r>
+                      <a:endParaRPr lang="en-IN" dirty="0"/>
+                    </a:p>
+                  </a:txBody>
+                  <a:tcPr>
+                    <a:solidFill>
+                      <a:srgbClr val="00B0F0">
+                        <a:alpha val="92000"/>
+                      </a:srgbClr>
+                    </a:solidFill>
+                  </a:tcPr>
+                </a:tc>
+                <a:tc>
+                  <a:txBody>
+                    <a:bodyPr/>
+                    <a:lstStyle/>
+                    <a:p>
+                      <a:r>
+                        <a:rPr lang="en-US" dirty="0" smtClean="0"/>
+                        <a:t> 3 Months</a:t>
+                      </a:r>
+                      <a:endParaRPr lang="en-IN" dirty="0"/>
+                    </a:p>
+                  </a:txBody>
+                  <a:tcPr>
+                    <a:solidFill>
+                      <a:srgbClr val="00B0F0">
+                        <a:alpha val="92000"/>
+                      </a:srgbClr>
+                    </a:solidFill>
+                  </a:tcPr>
+                </a:tc>
+              </a:tr>
+              <a:tr h="370840">
+                <a:tc>
+                  <a:txBody>
+                    <a:bodyPr/>
+                    <a:lstStyle/>
+                    <a:p>
+                      <a:r>
+                        <a:rPr lang="en-US" dirty="0" smtClean="0"/>
+                        <a:t>Start Date</a:t>
+                      </a:r>
+                      <a:endParaRPr lang="en-IN" dirty="0"/>
+                    </a:p>
+                  </a:txBody>
+                  <a:tcPr>
+                    <a:solidFill>
+                      <a:srgbClr val="00B0F0">
+                        <a:alpha val="92000"/>
+                      </a:srgbClr>
+                    </a:solidFill>
+                  </a:tcPr>
+                </a:tc>
+                <a:tc>
+                  <a:txBody>
+                    <a:bodyPr/>
+                    <a:lstStyle/>
+                    <a:p>
+                      <a:r>
+                        <a:rPr lang="en-US" dirty="0" smtClean="0"/>
+                        <a:t> 1</a:t>
+                      </a:r>
+                      <a:r>
+                        <a:rPr lang="en-US" baseline="30000" dirty="0" smtClean="0"/>
+                        <a:t>st</a:t>
+                      </a:r>
+                      <a:r>
+                        <a:rPr lang="en-US" dirty="0" smtClean="0"/>
+                        <a:t> February 2021</a:t>
+                      </a:r>
+                      <a:endParaRPr lang="en-IN" dirty="0"/>
+                    </a:p>
+                  </a:txBody>
+                  <a:tcPr>
+                    <a:solidFill>
+                      <a:srgbClr val="00B0F0">
+                        <a:alpha val="92000"/>
+                      </a:srgbClr>
+                    </a:solidFill>
+                  </a:tcPr>
+                </a:tc>
+              </a:tr>
+              <a:tr h="370840">
+                <a:tc>
+                  <a:txBody>
+                    <a:bodyPr/>
+                    <a:lstStyle/>
+                    <a:p>
+                      <a:r>
+                        <a:rPr lang="en-US" dirty="0" smtClean="0"/>
+                        <a:t>End Date</a:t>
+                      </a:r>
+                      <a:endParaRPr lang="en-IN" dirty="0"/>
+                    </a:p>
+                  </a:txBody>
+                  <a:tcPr>
+                    <a:solidFill>
+                      <a:srgbClr val="00B0F0">
+                        <a:alpha val="92000"/>
+                      </a:srgbClr>
+                    </a:solidFill>
+                  </a:tcPr>
+                </a:tc>
+                <a:tc>
+                  <a:txBody>
+                    <a:bodyPr/>
+                    <a:lstStyle/>
+                    <a:p>
+                      <a:r>
+                        <a:rPr lang="en-US" dirty="0" smtClean="0"/>
+                        <a:t>30</a:t>
+                      </a:r>
+                      <a:r>
+                        <a:rPr lang="en-US" baseline="30000" dirty="0" smtClean="0"/>
+                        <a:t>th</a:t>
+                      </a:r>
+                      <a:r>
+                        <a:rPr lang="en-US" dirty="0" smtClean="0"/>
+                        <a:t> April 2021</a:t>
+                      </a:r>
+                      <a:endParaRPr lang="en-IN" dirty="0"/>
+                    </a:p>
+                  </a:txBody>
+                  <a:tcPr>
+                    <a:solidFill>
+                      <a:srgbClr val="00B0F0">
+                        <a:alpha val="92000"/>
+                      </a:srgbClr>
+                    </a:solidFill>
+                  </a:tcPr>
+                </a:tc>
+              </a:tr>
+            </a:tbl>
+          </a:graphicData>
+        </a:graphic>
+      </p:graphicFrame>
+    </p:spTree>
+    <p:extLst>
+      <p:ext uri="{BB962C8B-B14F-4D97-AF65-F5344CB8AC3E}">
+        <p14:creationId xmlns:p14="http://schemas.microsoft.com/office/powerpoint/2010/main" val="4251209142"/>
       </p:ext>
     </p:extLst>
   </p:cSld>
@@ -10012,10 +10634,6 @@
               </a:rPr>
               <a:t>Financers can be an individual or a private institutions like Credit Society or Banks.</a:t>
             </a:r>
-            <a:endParaRPr lang="en-US" sz="2800" dirty="0">
-              <a:latin typeface="Arial" panose="020B0604020202020204" pitchFamily="34" charset="0"/>
-              <a:cs typeface="Arial" panose="020B0604020202020204" pitchFamily="34" charset="0"/>
-            </a:endParaRPr>
           </a:p>
         </p:txBody>
       </p:sp>

--- a/UML/REMA.pptx
+++ b/UML/REMA.pptx
@@ -5,10 +5,10 @@
     <p:sldMasterId id="2147483648" r:id="rId1"/>
   </p:sldMasterIdLst>
   <p:notesMasterIdLst>
-    <p:notesMasterId r:id="rId26"/>
+    <p:notesMasterId r:id="rId29"/>
   </p:notesMasterIdLst>
   <p:handoutMasterIdLst>
-    <p:handoutMasterId r:id="rId27"/>
+    <p:handoutMasterId r:id="rId30"/>
   </p:handoutMasterIdLst>
   <p:sldIdLst>
     <p:sldId id="256" r:id="rId2"/>
@@ -35,6 +35,9 @@
     <p:sldId id="278" r:id="rId23"/>
     <p:sldId id="279" r:id="rId24"/>
     <p:sldId id="280" r:id="rId25"/>
+    <p:sldId id="281" r:id="rId26"/>
+    <p:sldId id="282" r:id="rId27"/>
+    <p:sldId id="283" r:id="rId28"/>
   </p:sldIdLst>
   <p:sldSz cx="12192000" cy="6858000"/>
   <p:notesSz cx="6858000" cy="9144000"/>
@@ -226,7 +229,7 @@
           <a:p>
             <a:fld id="{061C5132-FFA3-4B02-9F09-22FCF40EFA74}" type="datetimeFigureOut">
               <a:rPr lang="en-US" smtClean="0"/>
-              <a:t>4/12/2021</a:t>
+              <a:t>4/18/2021</a:t>
             </a:fld>
             <a:endParaRPr lang="en-US"/>
           </a:p>
@@ -391,7 +394,7 @@
           <a:p>
             <a:fld id="{0B6E42C9-243F-4DC5-AFF6-9D56B5FA9D63}" type="datetimeFigureOut">
               <a:rPr lang="en-US" smtClean="0"/>
-              <a:t>4/12/2021</a:t>
+              <a:t>4/18/2021</a:t>
             </a:fld>
             <a:endParaRPr lang="en-US"/>
           </a:p>
@@ -1068,7 +1071,7 @@
           <a:p>
             <a:fld id="{B0FE2824-C2A0-4931-BB32-60B24BDBB3CC}" type="datetimeFigureOut">
               <a:rPr lang="en-US" smtClean="0"/>
-              <a:t>4/12/2021</a:t>
+              <a:t>4/18/2021</a:t>
             </a:fld>
             <a:endParaRPr lang="en-US"/>
           </a:p>
@@ -1264,7 +1267,7 @@
           <a:p>
             <a:fld id="{B0FE2824-C2A0-4931-BB32-60B24BDBB3CC}" type="datetimeFigureOut">
               <a:rPr lang="en-US" smtClean="0"/>
-              <a:t>4/12/2021</a:t>
+              <a:t>4/18/2021</a:t>
             </a:fld>
             <a:endParaRPr lang="en-US"/>
           </a:p>
@@ -1446,7 +1449,7 @@
           <a:p>
             <a:fld id="{B0FE2824-C2A0-4931-BB32-60B24BDBB3CC}" type="datetimeFigureOut">
               <a:rPr lang="en-US" smtClean="0"/>
-              <a:t>4/12/2021</a:t>
+              <a:t>4/18/2021</a:t>
             </a:fld>
             <a:endParaRPr lang="en-US"/>
           </a:p>
@@ -1953,7 +1956,7 @@
           <a:p>
             <a:fld id="{B0FE2824-C2A0-4931-BB32-60B24BDBB3CC}" type="datetimeFigureOut">
               <a:rPr lang="en-US" smtClean="0"/>
-              <a:t>4/12/2021</a:t>
+              <a:t>4/18/2021</a:t>
             </a:fld>
             <a:endParaRPr lang="en-US"/>
           </a:p>
@@ -2397,7 +2400,7 @@
           <a:p>
             <a:fld id="{B0FE2824-C2A0-4931-BB32-60B24BDBB3CC}" type="datetimeFigureOut">
               <a:rPr lang="en-US" smtClean="0"/>
-              <a:t>4/12/2021</a:t>
+              <a:t>4/18/2021</a:t>
             </a:fld>
             <a:endParaRPr lang="en-US"/>
           </a:p>
@@ -2527,7 +2530,7 @@
           <a:p>
             <a:fld id="{B0FE2824-C2A0-4931-BB32-60B24BDBB3CC}" type="datetimeFigureOut">
               <a:rPr lang="en-US" smtClean="0"/>
-              <a:t>4/12/2021</a:t>
+              <a:t>4/18/2021</a:t>
             </a:fld>
             <a:endParaRPr lang="en-US"/>
           </a:p>
@@ -2634,7 +2637,7 @@
           <a:p>
             <a:fld id="{B0FE2824-C2A0-4931-BB32-60B24BDBB3CC}" type="datetimeFigureOut">
               <a:rPr lang="en-US" smtClean="0"/>
-              <a:t>4/12/2021</a:t>
+              <a:t>4/18/2021</a:t>
             </a:fld>
             <a:endParaRPr lang="en-US"/>
           </a:p>
@@ -2930,7 +2933,7 @@
           <a:p>
             <a:fld id="{B0FE2824-C2A0-4931-BB32-60B24BDBB3CC}" type="datetimeFigureOut">
               <a:rPr lang="en-US" smtClean="0"/>
-              <a:t>4/12/2021</a:t>
+              <a:t>4/18/2021</a:t>
             </a:fld>
             <a:endParaRPr lang="en-US"/>
           </a:p>
@@ -3204,7 +3207,7 @@
           <a:p>
             <a:fld id="{B0FE2824-C2A0-4931-BB32-60B24BDBB3CC}" type="datetimeFigureOut">
               <a:rPr lang="en-US" smtClean="0"/>
-              <a:t>4/12/2021</a:t>
+              <a:t>4/18/2021</a:t>
             </a:fld>
             <a:endParaRPr lang="en-US"/>
           </a:p>
@@ -3505,7 +3508,7 @@
             <a:fld id="{B0FE2824-C2A0-4931-BB32-60B24BDBB3CC}" type="datetimeFigureOut">
               <a:rPr lang="en-US" smtClean="0"/>
               <a:pPr/>
-              <a:t>4/12/2021</a:t>
+              <a:t>4/18/2021</a:t>
             </a:fld>
             <a:endParaRPr lang="en-US"/>
           </a:p>
@@ -3998,6 +4001,13 @@
       </p:transition>
     </mc:Fallback>
   </mc:AlternateContent>
+  <p:timing>
+    <p:tnLst>
+      <p:par>
+        <p:cTn id="1" dur="indefinite" restart="never" nodeType="tmRoot"/>
+      </p:par>
+    </p:tnLst>
+  </p:timing>
 </p:sld>
 </file>
 
@@ -4097,6 +4107,13 @@
       </p:transition>
     </mc:Fallback>
   </mc:AlternateContent>
+  <p:timing>
+    <p:tnLst>
+      <p:par>
+        <p:cTn id="1" dur="indefinite" restart="never" nodeType="tmRoot"/>
+      </p:par>
+    </p:tnLst>
+  </p:timing>
 </p:sld>
 </file>
 
@@ -4202,6 +4219,13 @@
       </p:transition>
     </mc:Fallback>
   </mc:AlternateContent>
+  <p:timing>
+    <p:tnLst>
+      <p:par>
+        <p:cTn id="1" dur="indefinite" restart="never" nodeType="tmRoot"/>
+      </p:par>
+    </p:tnLst>
+  </p:timing>
 </p:sld>
 </file>
 
@@ -4298,6 +4322,13 @@
       </p:transition>
     </mc:Fallback>
   </mc:AlternateContent>
+  <p:timing>
+    <p:tnLst>
+      <p:par>
+        <p:cTn id="1" dur="indefinite" restart="never" nodeType="tmRoot"/>
+      </p:par>
+    </p:tnLst>
+  </p:timing>
 </p:sld>
 </file>
 
@@ -4394,6 +4425,13 @@
       </p:transition>
     </mc:Fallback>
   </mc:AlternateContent>
+  <p:timing>
+    <p:tnLst>
+      <p:par>
+        <p:cTn id="1" dur="indefinite" restart="never" nodeType="tmRoot"/>
+      </p:par>
+    </p:tnLst>
+  </p:timing>
 </p:sld>
 </file>
 
@@ -4490,6 +4528,13 @@
       </p:transition>
     </mc:Fallback>
   </mc:AlternateContent>
+  <p:timing>
+    <p:tnLst>
+      <p:par>
+        <p:cTn id="1" dur="indefinite" restart="never" nodeType="tmRoot"/>
+      </p:par>
+    </p:tnLst>
+  </p:timing>
 </p:sld>
 </file>
 
@@ -4586,6 +4631,13 @@
       </p:transition>
     </mc:Fallback>
   </mc:AlternateContent>
+  <p:timing>
+    <p:tnLst>
+      <p:par>
+        <p:cTn id="1" dur="indefinite" restart="never" nodeType="tmRoot"/>
+      </p:par>
+    </p:tnLst>
+  </p:timing>
 </p:sld>
 </file>
 
@@ -4682,6 +4734,13 @@
       </p:transition>
     </mc:Fallback>
   </mc:AlternateContent>
+  <p:timing>
+    <p:tnLst>
+      <p:par>
+        <p:cTn id="1" dur="indefinite" restart="never" nodeType="tmRoot"/>
+      </p:par>
+    </p:tnLst>
+  </p:timing>
 </p:sld>
 </file>
 
@@ -4778,6 +4837,13 @@
       </p:transition>
     </mc:Fallback>
   </mc:AlternateContent>
+  <p:timing>
+    <p:tnLst>
+      <p:par>
+        <p:cTn id="1" dur="indefinite" restart="never" nodeType="tmRoot"/>
+      </p:par>
+    </p:tnLst>
+  </p:timing>
 </p:sld>
 </file>
 
@@ -4927,6 +4993,13 @@
       </p:transition>
     </mc:Fallback>
   </mc:AlternateContent>
+  <p:timing>
+    <p:tnLst>
+      <p:par>
+        <p:cTn id="1" dur="indefinite" restart="never" nodeType="tmRoot"/>
+      </p:par>
+    </p:tnLst>
+  </p:timing>
 </p:sld>
 </file>
 
@@ -5027,6 +5100,13 @@
       </p:transition>
     </mc:Fallback>
   </mc:AlternateContent>
+  <p:timing>
+    <p:tnLst>
+      <p:par>
+        <p:cTn id="1" dur="indefinite" restart="never" nodeType="tmRoot"/>
+      </p:par>
+    </p:tnLst>
+  </p:timing>
 </p:sld>
 </file>
 
@@ -5191,6 +5271,13 @@
       </p:transition>
     </mc:Fallback>
   </mc:AlternateContent>
+  <p:timing>
+    <p:tnLst>
+      <p:par>
+        <p:cTn id="1" dur="indefinite" restart="never" nodeType="tmRoot"/>
+      </p:par>
+    </p:tnLst>
+  </p:timing>
 </p:sld>
 </file>
 
@@ -5286,6 +5373,13 @@
       </p:transition>
     </mc:Fallback>
   </mc:AlternateContent>
+  <p:timing>
+    <p:tnLst>
+      <p:par>
+        <p:cTn id="1" dur="indefinite" restart="never" nodeType="tmRoot"/>
+      </p:par>
+    </p:tnLst>
+  </p:timing>
 </p:sld>
 </file>
 
@@ -7025,6 +7119,13 @@
       </p:transition>
     </mc:Fallback>
   </mc:AlternateContent>
+  <p:timing>
+    <p:tnLst>
+      <p:par>
+        <p:cTn id="1" dur="indefinite" restart="never" nodeType="tmRoot"/>
+      </p:par>
+    </p:tnLst>
+  </p:timing>
 </p:sld>
 </file>
 
@@ -8949,6 +9050,13 @@
       </p:transition>
     </mc:Fallback>
   </mc:AlternateContent>
+  <p:timing>
+    <p:tnLst>
+      <p:par>
+        <p:cTn id="1" dur="indefinite" restart="never" nodeType="tmRoot"/>
+      </p:par>
+    </p:tnLst>
+  </p:timing>
 </p:sld>
 </file>
 
@@ -9692,6 +9800,13 @@
       </p:transition>
     </mc:Fallback>
   </mc:AlternateContent>
+  <p:timing>
+    <p:tnLst>
+      <p:par>
+        <p:cTn id="1" dur="indefinite" restart="never" nodeType="tmRoot"/>
+      </p:par>
+    </p:tnLst>
+  </p:timing>
 </p:sld>
 </file>
 
@@ -10301,6 +10416,1228 @@
   <p:clrMapOvr>
     <a:masterClrMapping/>
   </p:clrMapOvr>
+  <mc:AlternateContent xmlns:mc="http://schemas.openxmlformats.org/markup-compatibility/2006" xmlns:p14="http://schemas.microsoft.com/office/powerpoint/2010/main">
+    <mc:Choice Requires="p14">
+      <p:transition spd="med" p14:dur="700">
+        <p:fade/>
+      </p:transition>
+    </mc:Choice>
+    <mc:Fallback xmlns="">
+      <p:transition spd="med">
+        <p:fade/>
+      </p:transition>
+    </mc:Fallback>
+  </mc:AlternateContent>
+  <p:timing>
+    <p:tnLst>
+      <p:par>
+        <p:cTn id="1" dur="indefinite" restart="never" nodeType="tmRoot"/>
+      </p:par>
+    </p:tnLst>
+  </p:timing>
+</p:sld>
+</file>
+
+<file path=ppt/slides/slide25.xml><?xml version="1.0" encoding="utf-8"?>
+<p:sld xmlns:a="http://schemas.openxmlformats.org/drawingml/2006/main" xmlns:r="http://schemas.openxmlformats.org/officeDocument/2006/relationships" xmlns:p="http://schemas.openxmlformats.org/presentationml/2006/main">
+  <p:cSld>
+    <p:spTree>
+      <p:nvGrpSpPr>
+        <p:cNvPr id="1" name=""/>
+        <p:cNvGrpSpPr/>
+        <p:nvPr/>
+      </p:nvGrpSpPr>
+      <p:grpSpPr>
+        <a:xfrm>
+          <a:off x="0" y="0"/>
+          <a:ext cx="0" cy="0"/>
+          <a:chOff x="0" y="0"/>
+          <a:chExt cx="0" cy="0"/>
+        </a:xfrm>
+      </p:grpSpPr>
+      <p:sp>
+        <p:nvSpPr>
+          <p:cNvPr id="2" name="Title 1"/>
+          <p:cNvSpPr>
+            <a:spLocks noGrp="1"/>
+          </p:cNvSpPr>
+          <p:nvPr>
+            <p:ph type="title"/>
+          </p:nvPr>
+        </p:nvSpPr>
+        <p:spPr>
+          <a:xfrm>
+            <a:off x="838200" y="365126"/>
+            <a:ext cx="10515600" cy="615602"/>
+          </a:xfrm>
+        </p:spPr>
+        <p:txBody>
+          <a:bodyPr/>
+          <a:lstStyle/>
+          <a:p>
+            <a:pPr algn="ctr"/>
+            <a:r>
+              <a:rPr lang="en-US" dirty="0" smtClean="0"/>
+              <a:t>Agile Project Plan(1)</a:t>
+            </a:r>
+            <a:endParaRPr lang="en-IN" dirty="0"/>
+          </a:p>
+        </p:txBody>
+      </p:sp>
+      <p:graphicFrame>
+        <p:nvGraphicFramePr>
+          <p:cNvPr id="6" name="Content Placeholder 5"/>
+          <p:cNvGraphicFramePr>
+            <a:graphicFrameLocks noGrp="1"/>
+          </p:cNvGraphicFramePr>
+          <p:nvPr>
+            <p:ph idx="1"/>
+            <p:extLst>
+              <p:ext uri="{D42A27DB-BD31-4B8C-83A1-F6EECF244321}">
+                <p14:modId xmlns:p14="http://schemas.microsoft.com/office/powerpoint/2010/main" val="491749803"/>
+              </p:ext>
+            </p:extLst>
+          </p:nvPr>
+        </p:nvGraphicFramePr>
+        <p:xfrm>
+          <a:off x="911424" y="1340768"/>
+          <a:ext cx="10226352" cy="4426075"/>
+        </p:xfrm>
+        <a:graphic>
+          <a:graphicData uri="http://schemas.openxmlformats.org/drawingml/2006/table">
+            <a:tbl>
+              <a:tblPr firstRow="1" bandRow="1">
+                <a:tableStyleId>{0660B408-B3CF-4A94-85FC-2B1E0A45F4A2}</a:tableStyleId>
+              </a:tblPr>
+              <a:tblGrid>
+                <a:gridCol w="4342876"/>
+                <a:gridCol w="1274964"/>
+                <a:gridCol w="1386074"/>
+                <a:gridCol w="1422238"/>
+                <a:gridCol w="1800200"/>
+              </a:tblGrid>
+              <a:tr h="399491">
+                <a:tc>
+                  <a:txBody>
+                    <a:bodyPr/>
+                    <a:lstStyle/>
+                    <a:p>
+                      <a:r>
+                        <a:rPr lang="en-US" dirty="0" smtClean="0"/>
+                        <a:t>    Sprint Title</a:t>
+                      </a:r>
+                      <a:endParaRPr lang="en-IN" dirty="0"/>
+                    </a:p>
+                  </a:txBody>
+                  <a:tcPr/>
+                </a:tc>
+                <a:tc>
+                  <a:txBody>
+                    <a:bodyPr/>
+                    <a:lstStyle/>
+                    <a:p>
+                      <a:r>
+                        <a:rPr lang="en-US" dirty="0" smtClean="0"/>
+                        <a:t>Duration</a:t>
+                      </a:r>
+                      <a:endParaRPr lang="en-IN" dirty="0"/>
+                    </a:p>
+                  </a:txBody>
+                  <a:tcPr/>
+                </a:tc>
+                <a:tc>
+                  <a:txBody>
+                    <a:bodyPr/>
+                    <a:lstStyle/>
+                    <a:p>
+                      <a:r>
+                        <a:rPr lang="en-US" dirty="0" smtClean="0"/>
+                        <a:t> Start</a:t>
+                      </a:r>
+                      <a:endParaRPr lang="en-IN" dirty="0"/>
+                    </a:p>
+                  </a:txBody>
+                  <a:tcPr/>
+                </a:tc>
+                <a:tc>
+                  <a:txBody>
+                    <a:bodyPr/>
+                    <a:lstStyle/>
+                    <a:p>
+                      <a:r>
+                        <a:rPr lang="en-US" dirty="0" smtClean="0"/>
+                        <a:t> End</a:t>
+                      </a:r>
+                      <a:endParaRPr lang="en-IN" dirty="0"/>
+                    </a:p>
+                  </a:txBody>
+                  <a:tcPr/>
+                </a:tc>
+                <a:tc>
+                  <a:txBody>
+                    <a:bodyPr/>
+                    <a:lstStyle/>
+                    <a:p>
+                      <a:r>
+                        <a:rPr lang="en-US" dirty="0" smtClean="0"/>
+                        <a:t> Status</a:t>
+                      </a:r>
+                      <a:endParaRPr lang="en-IN" dirty="0"/>
+                    </a:p>
+                  </a:txBody>
+                  <a:tcPr/>
+                </a:tc>
+              </a:tr>
+              <a:tr h="464708">
+                <a:tc>
+                  <a:txBody>
+                    <a:bodyPr/>
+                    <a:lstStyle/>
+                    <a:p>
+                      <a:r>
+                        <a:rPr lang="en-US" dirty="0" smtClean="0"/>
+                        <a:t>Sprint#1 Project Analysis</a:t>
+                      </a:r>
+                      <a:endParaRPr lang="en-IN" dirty="0">
+                        <a:solidFill>
+                          <a:schemeClr val="tx1"/>
+                        </a:solidFill>
+                      </a:endParaRPr>
+                    </a:p>
+                  </a:txBody>
+                  <a:tcPr/>
+                </a:tc>
+                <a:tc>
+                  <a:txBody>
+                    <a:bodyPr/>
+                    <a:lstStyle/>
+                    <a:p>
+                      <a:r>
+                        <a:rPr lang="en-US" dirty="0" smtClean="0"/>
+                        <a:t>   22d</a:t>
+                      </a:r>
+                      <a:endParaRPr lang="en-IN" dirty="0">
+                        <a:solidFill>
+                          <a:schemeClr val="bg2">
+                            <a:lumMod val="50000"/>
+                            <a:lumOff val="50000"/>
+                          </a:schemeClr>
+                        </a:solidFill>
+                      </a:endParaRPr>
+                    </a:p>
+                  </a:txBody>
+                  <a:tcPr/>
+                </a:tc>
+                <a:tc>
+                  <a:txBody>
+                    <a:bodyPr/>
+                    <a:lstStyle/>
+                    <a:p>
+                      <a:pPr algn="l"/>
+                      <a:r>
+                        <a:rPr lang="en-US" dirty="0" smtClean="0"/>
+                        <a:t>01/02/2021</a:t>
+                      </a:r>
+                      <a:endParaRPr lang="en-IN" dirty="0">
+                        <a:solidFill>
+                          <a:schemeClr val="tx1">
+                            <a:lumMod val="95000"/>
+                          </a:schemeClr>
+                        </a:solidFill>
+                      </a:endParaRPr>
+                    </a:p>
+                  </a:txBody>
+                  <a:tcPr/>
+                </a:tc>
+                <a:tc>
+                  <a:txBody>
+                    <a:bodyPr/>
+                    <a:lstStyle/>
+                    <a:p>
+                      <a:r>
+                        <a:rPr lang="en-US" dirty="0" smtClean="0"/>
+                        <a:t>18/02/2021</a:t>
+                      </a:r>
+                      <a:endParaRPr lang="en-IN" dirty="0">
+                        <a:solidFill>
+                          <a:schemeClr val="tx1">
+                            <a:lumMod val="95000"/>
+                          </a:schemeClr>
+                        </a:solidFill>
+                      </a:endParaRPr>
+                    </a:p>
+                  </a:txBody>
+                  <a:tcPr/>
+                </a:tc>
+                <a:tc>
+                  <a:txBody>
+                    <a:bodyPr/>
+                    <a:lstStyle/>
+                    <a:p>
+                      <a:r>
+                        <a:rPr lang="en-US" dirty="0" smtClean="0"/>
+                        <a:t> Complete</a:t>
+                      </a:r>
+                      <a:endParaRPr lang="en-IN" dirty="0">
+                        <a:solidFill>
+                          <a:schemeClr val="tx1">
+                            <a:lumMod val="95000"/>
+                          </a:schemeClr>
+                        </a:solidFill>
+                      </a:endParaRPr>
+                    </a:p>
+                  </a:txBody>
+                  <a:tcPr/>
+                </a:tc>
+              </a:tr>
+              <a:tr h="399491">
+                <a:tc>
+                  <a:txBody>
+                    <a:bodyPr/>
+                    <a:lstStyle/>
+                    <a:p>
+                      <a:r>
+                        <a:rPr lang="en-US" dirty="0" smtClean="0"/>
+                        <a:t>   </a:t>
+                      </a:r>
+                      <a:r>
+                        <a:rPr lang="en-US" baseline="0" dirty="0" smtClean="0"/>
+                        <a:t> Users Analysis</a:t>
+                      </a:r>
+                      <a:endParaRPr lang="en-IN" dirty="0">
+                        <a:solidFill>
+                          <a:schemeClr val="tx1">
+                            <a:lumMod val="95000"/>
+                          </a:schemeClr>
+                        </a:solidFill>
+                      </a:endParaRPr>
+                    </a:p>
+                  </a:txBody>
+                  <a:tcPr/>
+                </a:tc>
+                <a:tc>
+                  <a:txBody>
+                    <a:bodyPr/>
+                    <a:lstStyle/>
+                    <a:p>
+                      <a:r>
+                        <a:rPr lang="en-US" dirty="0" smtClean="0"/>
+                        <a:t>    4d</a:t>
+                      </a:r>
+                      <a:endParaRPr lang="en-IN" dirty="0">
+                        <a:solidFill>
+                          <a:schemeClr val="tx1">
+                            <a:lumMod val="95000"/>
+                          </a:schemeClr>
+                        </a:solidFill>
+                      </a:endParaRPr>
+                    </a:p>
+                  </a:txBody>
+                  <a:tcPr/>
+                </a:tc>
+                <a:tc>
+                  <a:txBody>
+                    <a:bodyPr/>
+                    <a:lstStyle/>
+                    <a:p>
+                      <a:r>
+                        <a:rPr lang="en-US" dirty="0" smtClean="0"/>
+                        <a:t>01/02/2021</a:t>
+                      </a:r>
+                      <a:endParaRPr lang="en-IN" dirty="0">
+                        <a:solidFill>
+                          <a:schemeClr val="tx1">
+                            <a:lumMod val="95000"/>
+                          </a:schemeClr>
+                        </a:solidFill>
+                      </a:endParaRPr>
+                    </a:p>
+                  </a:txBody>
+                  <a:tcPr/>
+                </a:tc>
+                <a:tc>
+                  <a:txBody>
+                    <a:bodyPr/>
+                    <a:lstStyle/>
+                    <a:p>
+                      <a:r>
+                        <a:rPr lang="en-US" dirty="0" smtClean="0"/>
+                        <a:t>04/02/2021</a:t>
+                      </a:r>
+                      <a:endParaRPr lang="en-IN" dirty="0">
+                        <a:solidFill>
+                          <a:schemeClr val="tx1">
+                            <a:lumMod val="95000"/>
+                          </a:schemeClr>
+                        </a:solidFill>
+                      </a:endParaRPr>
+                    </a:p>
+                  </a:txBody>
+                  <a:tcPr/>
+                </a:tc>
+                <a:tc>
+                  <a:txBody>
+                    <a:bodyPr/>
+                    <a:lstStyle/>
+                    <a:p>
+                      <a:r>
+                        <a:rPr lang="en-US" dirty="0" smtClean="0"/>
+                        <a:t> Complete</a:t>
+                      </a:r>
+                      <a:endParaRPr lang="en-IN" dirty="0">
+                        <a:solidFill>
+                          <a:schemeClr val="tx1">
+                            <a:lumMod val="95000"/>
+                          </a:schemeClr>
+                        </a:solidFill>
+                      </a:endParaRPr>
+                    </a:p>
+                  </a:txBody>
+                  <a:tcPr/>
+                </a:tc>
+              </a:tr>
+              <a:tr h="399491">
+                <a:tc>
+                  <a:txBody>
+                    <a:bodyPr/>
+                    <a:lstStyle/>
+                    <a:p>
+                      <a:r>
+                        <a:rPr lang="en-US" dirty="0" smtClean="0"/>
+                        <a:t>    Process Analysis</a:t>
+                      </a:r>
+                      <a:endParaRPr lang="en-IN" dirty="0">
+                        <a:solidFill>
+                          <a:schemeClr val="tx1">
+                            <a:lumMod val="95000"/>
+                          </a:schemeClr>
+                        </a:solidFill>
+                      </a:endParaRPr>
+                    </a:p>
+                  </a:txBody>
+                  <a:tcPr/>
+                </a:tc>
+                <a:tc>
+                  <a:txBody>
+                    <a:bodyPr/>
+                    <a:lstStyle/>
+                    <a:p>
+                      <a:r>
+                        <a:rPr lang="en-US" dirty="0" smtClean="0"/>
+                        <a:t>    6d</a:t>
+                      </a:r>
+                      <a:endParaRPr lang="en-IN" dirty="0">
+                        <a:solidFill>
+                          <a:schemeClr val="tx1">
+                            <a:lumMod val="95000"/>
+                          </a:schemeClr>
+                        </a:solidFill>
+                      </a:endParaRPr>
+                    </a:p>
+                  </a:txBody>
+                  <a:tcPr/>
+                </a:tc>
+                <a:tc>
+                  <a:txBody>
+                    <a:bodyPr/>
+                    <a:lstStyle/>
+                    <a:p>
+                      <a:r>
+                        <a:rPr lang="en-US" dirty="0" smtClean="0"/>
+                        <a:t>05/02/2021</a:t>
+                      </a:r>
+                      <a:endParaRPr lang="en-IN" dirty="0">
+                        <a:solidFill>
+                          <a:schemeClr val="tx1">
+                            <a:lumMod val="95000"/>
+                          </a:schemeClr>
+                        </a:solidFill>
+                      </a:endParaRPr>
+                    </a:p>
+                  </a:txBody>
+                  <a:tcPr/>
+                </a:tc>
+                <a:tc>
+                  <a:txBody>
+                    <a:bodyPr/>
+                    <a:lstStyle/>
+                    <a:p>
+                      <a:r>
+                        <a:rPr lang="en-US" dirty="0" smtClean="0"/>
+                        <a:t>10/02/2021</a:t>
+                      </a:r>
+                      <a:endParaRPr lang="en-IN" dirty="0">
+                        <a:solidFill>
+                          <a:schemeClr val="tx1">
+                            <a:lumMod val="95000"/>
+                          </a:schemeClr>
+                        </a:solidFill>
+                      </a:endParaRPr>
+                    </a:p>
+                  </a:txBody>
+                  <a:tcPr/>
+                </a:tc>
+                <a:tc>
+                  <a:txBody>
+                    <a:bodyPr/>
+                    <a:lstStyle/>
+                    <a:p>
+                      <a:r>
+                        <a:rPr lang="en-US" dirty="0" smtClean="0"/>
+                        <a:t> Complete</a:t>
+                      </a:r>
+                      <a:endParaRPr lang="en-IN" dirty="0">
+                        <a:solidFill>
+                          <a:schemeClr val="tx1">
+                            <a:lumMod val="95000"/>
+                          </a:schemeClr>
+                        </a:solidFill>
+                      </a:endParaRPr>
+                    </a:p>
+                  </a:txBody>
+                  <a:tcPr/>
+                </a:tc>
+              </a:tr>
+              <a:tr h="365948">
+                <a:tc>
+                  <a:txBody>
+                    <a:bodyPr/>
+                    <a:lstStyle/>
+                    <a:p>
+                      <a:r>
+                        <a:rPr lang="en-US" dirty="0" smtClean="0"/>
+                        <a:t>    Feature Analysis</a:t>
+                      </a:r>
+                      <a:endParaRPr lang="en-IN" dirty="0">
+                        <a:solidFill>
+                          <a:schemeClr val="tx1">
+                            <a:lumMod val="95000"/>
+                          </a:schemeClr>
+                        </a:solidFill>
+                      </a:endParaRPr>
+                    </a:p>
+                  </a:txBody>
+                  <a:tcPr/>
+                </a:tc>
+                <a:tc>
+                  <a:txBody>
+                    <a:bodyPr/>
+                    <a:lstStyle/>
+                    <a:p>
+                      <a:r>
+                        <a:rPr lang="en-US" dirty="0" smtClean="0"/>
+                        <a:t>    6d</a:t>
+                      </a:r>
+                      <a:endParaRPr lang="en-IN" dirty="0">
+                        <a:solidFill>
+                          <a:schemeClr val="tx1">
+                            <a:lumMod val="95000"/>
+                          </a:schemeClr>
+                        </a:solidFill>
+                      </a:endParaRPr>
+                    </a:p>
+                  </a:txBody>
+                  <a:tcPr/>
+                </a:tc>
+                <a:tc>
+                  <a:txBody>
+                    <a:bodyPr/>
+                    <a:lstStyle/>
+                    <a:p>
+                      <a:r>
+                        <a:rPr lang="en-US" dirty="0" smtClean="0"/>
+                        <a:t>11/02/2021</a:t>
+                      </a:r>
+                      <a:endParaRPr lang="en-IN" dirty="0">
+                        <a:solidFill>
+                          <a:schemeClr val="tx1">
+                            <a:lumMod val="95000"/>
+                          </a:schemeClr>
+                        </a:solidFill>
+                      </a:endParaRPr>
+                    </a:p>
+                  </a:txBody>
+                  <a:tcPr/>
+                </a:tc>
+                <a:tc>
+                  <a:txBody>
+                    <a:bodyPr/>
+                    <a:lstStyle/>
+                    <a:p>
+                      <a:r>
+                        <a:rPr lang="en-US" dirty="0" smtClean="0"/>
+                        <a:t> 16/02/2021</a:t>
+                      </a:r>
+                      <a:endParaRPr lang="en-IN" dirty="0">
+                        <a:solidFill>
+                          <a:schemeClr val="tx1">
+                            <a:lumMod val="95000"/>
+                          </a:schemeClr>
+                        </a:solidFill>
+                      </a:endParaRPr>
+                    </a:p>
+                  </a:txBody>
+                  <a:tcPr/>
+                </a:tc>
+                <a:tc>
+                  <a:txBody>
+                    <a:bodyPr/>
+                    <a:lstStyle/>
+                    <a:p>
+                      <a:r>
+                        <a:rPr lang="en-US" dirty="0" smtClean="0"/>
+                        <a:t> Complete</a:t>
+                      </a:r>
+                      <a:endParaRPr lang="en-IN" dirty="0">
+                        <a:solidFill>
+                          <a:schemeClr val="tx1">
+                            <a:lumMod val="95000"/>
+                          </a:schemeClr>
+                        </a:solidFill>
+                      </a:endParaRPr>
+                    </a:p>
+                  </a:txBody>
+                  <a:tcPr/>
+                </a:tc>
+              </a:tr>
+              <a:tr h="399491">
+                <a:tc>
+                  <a:txBody>
+                    <a:bodyPr/>
+                    <a:lstStyle/>
+                    <a:p>
+                      <a:r>
+                        <a:rPr lang="en-US" dirty="0" smtClean="0"/>
+                        <a:t>    DB Analysis</a:t>
+                      </a:r>
+                      <a:endParaRPr lang="en-IN" dirty="0">
+                        <a:solidFill>
+                          <a:schemeClr val="tx1">
+                            <a:lumMod val="95000"/>
+                          </a:schemeClr>
+                        </a:solidFill>
+                      </a:endParaRPr>
+                    </a:p>
+                  </a:txBody>
+                  <a:tcPr/>
+                </a:tc>
+                <a:tc>
+                  <a:txBody>
+                    <a:bodyPr/>
+                    <a:lstStyle/>
+                    <a:p>
+                      <a:r>
+                        <a:rPr lang="en-US" dirty="0" smtClean="0"/>
+                        <a:t>    6d</a:t>
+                      </a:r>
+                      <a:endParaRPr lang="en-IN" dirty="0">
+                        <a:solidFill>
+                          <a:schemeClr val="tx1">
+                            <a:lumMod val="95000"/>
+                          </a:schemeClr>
+                        </a:solidFill>
+                      </a:endParaRPr>
+                    </a:p>
+                  </a:txBody>
+                  <a:tcPr/>
+                </a:tc>
+                <a:tc>
+                  <a:txBody>
+                    <a:bodyPr/>
+                    <a:lstStyle/>
+                    <a:p>
+                      <a:r>
+                        <a:rPr lang="en-US" dirty="0" smtClean="0"/>
+                        <a:t>17/02/2021</a:t>
+                      </a:r>
+                      <a:endParaRPr lang="en-IN" dirty="0">
+                        <a:solidFill>
+                          <a:schemeClr val="tx1">
+                            <a:lumMod val="95000"/>
+                          </a:schemeClr>
+                        </a:solidFill>
+                      </a:endParaRPr>
+                    </a:p>
+                  </a:txBody>
+                  <a:tcPr/>
+                </a:tc>
+                <a:tc>
+                  <a:txBody>
+                    <a:bodyPr/>
+                    <a:lstStyle/>
+                    <a:p>
+                      <a:r>
+                        <a:rPr lang="en-US" dirty="0" smtClean="0"/>
+                        <a:t>22/02/2021</a:t>
+                      </a:r>
+                      <a:endParaRPr lang="en-IN" dirty="0">
+                        <a:solidFill>
+                          <a:schemeClr val="tx1">
+                            <a:lumMod val="95000"/>
+                          </a:schemeClr>
+                        </a:solidFill>
+                      </a:endParaRPr>
+                    </a:p>
+                  </a:txBody>
+                  <a:tcPr/>
+                </a:tc>
+                <a:tc>
+                  <a:txBody>
+                    <a:bodyPr/>
+                    <a:lstStyle/>
+                    <a:p>
+                      <a:r>
+                        <a:rPr lang="en-US" dirty="0" smtClean="0"/>
+                        <a:t> Complete</a:t>
+                      </a:r>
+                      <a:endParaRPr lang="en-IN" dirty="0">
+                        <a:solidFill>
+                          <a:schemeClr val="tx1">
+                            <a:lumMod val="95000"/>
+                          </a:schemeClr>
+                        </a:solidFill>
+                      </a:endParaRPr>
+                    </a:p>
+                  </a:txBody>
+                  <a:tcPr/>
+                </a:tc>
+              </a:tr>
+              <a:tr h="399491">
+                <a:tc>
+                  <a:txBody>
+                    <a:bodyPr/>
+                    <a:lstStyle/>
+                    <a:p>
+                      <a:r>
+                        <a:rPr lang="en-US" dirty="0" smtClean="0"/>
+                        <a:t>Sprint#2 User</a:t>
+                      </a:r>
+                      <a:r>
+                        <a:rPr lang="en-US" baseline="0" dirty="0" smtClean="0"/>
+                        <a:t> Interface Design</a:t>
+                      </a:r>
+                      <a:endParaRPr lang="en-IN" dirty="0">
+                        <a:solidFill>
+                          <a:schemeClr val="tx1">
+                            <a:lumMod val="95000"/>
+                          </a:schemeClr>
+                        </a:solidFill>
+                      </a:endParaRPr>
+                    </a:p>
+                  </a:txBody>
+                  <a:tcPr/>
+                </a:tc>
+                <a:tc>
+                  <a:txBody>
+                    <a:bodyPr/>
+                    <a:lstStyle/>
+                    <a:p>
+                      <a:r>
+                        <a:rPr lang="en-US" dirty="0" smtClean="0"/>
+                        <a:t>    6d</a:t>
+                      </a:r>
+                      <a:endParaRPr lang="en-IN" dirty="0">
+                        <a:solidFill>
+                          <a:schemeClr val="tx1">
+                            <a:lumMod val="95000"/>
+                          </a:schemeClr>
+                        </a:solidFill>
+                      </a:endParaRPr>
+                    </a:p>
+                  </a:txBody>
+                  <a:tcPr/>
+                </a:tc>
+                <a:tc>
+                  <a:txBody>
+                    <a:bodyPr/>
+                    <a:lstStyle/>
+                    <a:p>
+                      <a:r>
+                        <a:rPr lang="en-US" dirty="0" smtClean="0"/>
+                        <a:t>23/02/2021</a:t>
+                      </a:r>
+                      <a:endParaRPr lang="en-IN" dirty="0">
+                        <a:solidFill>
+                          <a:schemeClr val="tx1">
+                            <a:lumMod val="95000"/>
+                          </a:schemeClr>
+                        </a:solidFill>
+                      </a:endParaRPr>
+                    </a:p>
+                  </a:txBody>
+                  <a:tcPr/>
+                </a:tc>
+                <a:tc>
+                  <a:txBody>
+                    <a:bodyPr/>
+                    <a:lstStyle/>
+                    <a:p>
+                      <a:r>
+                        <a:rPr lang="en-US" dirty="0" smtClean="0"/>
+                        <a:t>28/02/2021</a:t>
+                      </a:r>
+                      <a:endParaRPr lang="en-IN" dirty="0">
+                        <a:solidFill>
+                          <a:schemeClr val="tx1">
+                            <a:lumMod val="95000"/>
+                          </a:schemeClr>
+                        </a:solidFill>
+                      </a:endParaRPr>
+                    </a:p>
+                  </a:txBody>
+                  <a:tcPr/>
+                </a:tc>
+                <a:tc>
+                  <a:txBody>
+                    <a:bodyPr/>
+                    <a:lstStyle/>
+                    <a:p>
+                      <a:r>
+                        <a:rPr lang="en-US" dirty="0" smtClean="0"/>
+                        <a:t> Complete</a:t>
+                      </a:r>
+                      <a:endParaRPr lang="en-IN" dirty="0">
+                        <a:solidFill>
+                          <a:schemeClr val="tx1">
+                            <a:lumMod val="95000"/>
+                          </a:schemeClr>
+                        </a:solidFill>
+                      </a:endParaRPr>
+                    </a:p>
+                  </a:txBody>
+                  <a:tcPr/>
+                </a:tc>
+              </a:tr>
+              <a:tr h="399491">
+                <a:tc>
+                  <a:txBody>
+                    <a:bodyPr/>
+                    <a:lstStyle/>
+                    <a:p>
+                      <a:r>
+                        <a:rPr lang="en-US" dirty="0" smtClean="0"/>
+                        <a:t>Sprint#3</a:t>
+                      </a:r>
+                      <a:r>
+                        <a:rPr lang="en-US" baseline="0" dirty="0" smtClean="0"/>
+                        <a:t> User Registration </a:t>
+                      </a:r>
+                      <a:endParaRPr lang="en-IN" dirty="0">
+                        <a:solidFill>
+                          <a:schemeClr val="tx1">
+                            <a:lumMod val="95000"/>
+                          </a:schemeClr>
+                        </a:solidFill>
+                      </a:endParaRPr>
+                    </a:p>
+                  </a:txBody>
+                  <a:tcPr/>
+                </a:tc>
+                <a:tc>
+                  <a:txBody>
+                    <a:bodyPr/>
+                    <a:lstStyle/>
+                    <a:p>
+                      <a:r>
+                        <a:rPr lang="en-US" dirty="0" smtClean="0"/>
+                        <a:t>    2d</a:t>
+                      </a:r>
+                      <a:endParaRPr lang="en-IN" dirty="0">
+                        <a:solidFill>
+                          <a:schemeClr val="tx1">
+                            <a:lumMod val="95000"/>
+                          </a:schemeClr>
+                        </a:solidFill>
+                      </a:endParaRPr>
+                    </a:p>
+                  </a:txBody>
+                  <a:tcPr/>
+                </a:tc>
+                <a:tc>
+                  <a:txBody>
+                    <a:bodyPr/>
+                    <a:lstStyle/>
+                    <a:p>
+                      <a:r>
+                        <a:rPr lang="en-US" dirty="0" smtClean="0"/>
+                        <a:t>01/03/2021</a:t>
+                      </a:r>
+                      <a:endParaRPr lang="en-IN" dirty="0">
+                        <a:solidFill>
+                          <a:schemeClr val="tx1">
+                            <a:lumMod val="95000"/>
+                          </a:schemeClr>
+                        </a:solidFill>
+                      </a:endParaRPr>
+                    </a:p>
+                  </a:txBody>
+                  <a:tcPr/>
+                </a:tc>
+                <a:tc>
+                  <a:txBody>
+                    <a:bodyPr/>
+                    <a:lstStyle/>
+                    <a:p>
+                      <a:r>
+                        <a:rPr lang="en-US" dirty="0" smtClean="0"/>
+                        <a:t>02/03/2021</a:t>
+                      </a:r>
+                      <a:endParaRPr lang="en-IN" dirty="0">
+                        <a:solidFill>
+                          <a:schemeClr val="tx1">
+                            <a:lumMod val="95000"/>
+                          </a:schemeClr>
+                        </a:solidFill>
+                      </a:endParaRPr>
+                    </a:p>
+                  </a:txBody>
+                  <a:tcPr/>
+                </a:tc>
+                <a:tc>
+                  <a:txBody>
+                    <a:bodyPr/>
+                    <a:lstStyle/>
+                    <a:p>
+                      <a:r>
+                        <a:rPr lang="en-US" dirty="0" smtClean="0"/>
+                        <a:t> Complete</a:t>
+                      </a:r>
+                      <a:endParaRPr lang="en-IN" dirty="0">
+                        <a:solidFill>
+                          <a:schemeClr val="tx1">
+                            <a:lumMod val="95000"/>
+                          </a:schemeClr>
+                        </a:solidFill>
+                      </a:endParaRPr>
+                    </a:p>
+                  </a:txBody>
+                  <a:tcPr/>
+                </a:tc>
+              </a:tr>
+              <a:tr h="399491">
+                <a:tc>
+                  <a:txBody>
+                    <a:bodyPr/>
+                    <a:lstStyle/>
+                    <a:p>
+                      <a:r>
+                        <a:rPr lang="en-US" dirty="0" smtClean="0"/>
+                        <a:t>Sprint#4 Authentication Process</a:t>
+                      </a:r>
+                      <a:endParaRPr lang="en-IN" dirty="0">
+                        <a:solidFill>
+                          <a:schemeClr val="tx1">
+                            <a:lumMod val="95000"/>
+                          </a:schemeClr>
+                        </a:solidFill>
+                      </a:endParaRPr>
+                    </a:p>
+                  </a:txBody>
+                  <a:tcPr/>
+                </a:tc>
+                <a:tc>
+                  <a:txBody>
+                    <a:bodyPr/>
+                    <a:lstStyle/>
+                    <a:p>
+                      <a:r>
+                        <a:rPr lang="en-US" dirty="0" smtClean="0"/>
+                        <a:t>    3d</a:t>
+                      </a:r>
+                      <a:endParaRPr lang="en-IN" dirty="0">
+                        <a:solidFill>
+                          <a:schemeClr val="tx1">
+                            <a:lumMod val="95000"/>
+                          </a:schemeClr>
+                        </a:solidFill>
+                      </a:endParaRPr>
+                    </a:p>
+                  </a:txBody>
+                  <a:tcPr/>
+                </a:tc>
+                <a:tc>
+                  <a:txBody>
+                    <a:bodyPr/>
+                    <a:lstStyle/>
+                    <a:p>
+                      <a:r>
+                        <a:rPr lang="en-US" dirty="0" smtClean="0"/>
+                        <a:t>03/03/2021</a:t>
+                      </a:r>
+                      <a:endParaRPr lang="en-IN" dirty="0">
+                        <a:solidFill>
+                          <a:schemeClr val="tx1">
+                            <a:lumMod val="95000"/>
+                          </a:schemeClr>
+                        </a:solidFill>
+                      </a:endParaRPr>
+                    </a:p>
+                  </a:txBody>
+                  <a:tcPr/>
+                </a:tc>
+                <a:tc>
+                  <a:txBody>
+                    <a:bodyPr/>
+                    <a:lstStyle/>
+                    <a:p>
+                      <a:r>
+                        <a:rPr lang="en-US" dirty="0" smtClean="0"/>
+                        <a:t>05/03/2021</a:t>
+                      </a:r>
+                      <a:endParaRPr lang="en-IN" dirty="0">
+                        <a:solidFill>
+                          <a:schemeClr val="tx1">
+                            <a:lumMod val="95000"/>
+                          </a:schemeClr>
+                        </a:solidFill>
+                      </a:endParaRPr>
+                    </a:p>
+                  </a:txBody>
+                  <a:tcPr/>
+                </a:tc>
+                <a:tc>
+                  <a:txBody>
+                    <a:bodyPr/>
+                    <a:lstStyle/>
+                    <a:p>
+                      <a:r>
+                        <a:rPr lang="en-US" dirty="0" smtClean="0"/>
+                        <a:t> Complete</a:t>
+                      </a:r>
+                      <a:endParaRPr lang="en-IN" dirty="0">
+                        <a:solidFill>
+                          <a:schemeClr val="tx1">
+                            <a:lumMod val="95000"/>
+                          </a:schemeClr>
+                        </a:solidFill>
+                      </a:endParaRPr>
+                    </a:p>
+                  </a:txBody>
+                  <a:tcPr/>
+                </a:tc>
+              </a:tr>
+              <a:tr h="399491">
+                <a:tc>
+                  <a:txBody>
+                    <a:bodyPr/>
+                    <a:lstStyle/>
+                    <a:p>
+                      <a:r>
+                        <a:rPr lang="en-US" dirty="0" smtClean="0"/>
+                        <a:t>                User Login/Logout</a:t>
+                      </a:r>
+                      <a:endParaRPr lang="en-IN" dirty="0">
+                        <a:solidFill>
+                          <a:schemeClr val="tx1">
+                            <a:lumMod val="95000"/>
+                          </a:schemeClr>
+                        </a:solidFill>
+                      </a:endParaRPr>
+                    </a:p>
+                  </a:txBody>
+                  <a:tcPr/>
+                </a:tc>
+                <a:tc>
+                  <a:txBody>
+                    <a:bodyPr/>
+                    <a:lstStyle/>
+                    <a:p>
+                      <a:r>
+                        <a:rPr lang="en-US" dirty="0" smtClean="0"/>
+                        <a:t>    2d</a:t>
+                      </a:r>
+                      <a:endParaRPr lang="en-IN" dirty="0">
+                        <a:solidFill>
+                          <a:schemeClr val="tx1">
+                            <a:lumMod val="95000"/>
+                          </a:schemeClr>
+                        </a:solidFill>
+                      </a:endParaRPr>
+                    </a:p>
+                  </a:txBody>
+                  <a:tcPr/>
+                </a:tc>
+                <a:tc>
+                  <a:txBody>
+                    <a:bodyPr/>
+                    <a:lstStyle/>
+                    <a:p>
+                      <a:r>
+                        <a:rPr lang="en-US" dirty="0" smtClean="0"/>
+                        <a:t>03/03/2021</a:t>
+                      </a:r>
+                      <a:endParaRPr lang="en-IN" dirty="0">
+                        <a:solidFill>
+                          <a:schemeClr val="tx1">
+                            <a:lumMod val="95000"/>
+                          </a:schemeClr>
+                        </a:solidFill>
+                      </a:endParaRPr>
+                    </a:p>
+                  </a:txBody>
+                  <a:tcPr/>
+                </a:tc>
+                <a:tc>
+                  <a:txBody>
+                    <a:bodyPr/>
+                    <a:lstStyle/>
+                    <a:p>
+                      <a:r>
+                        <a:rPr lang="en-US" dirty="0" smtClean="0"/>
+                        <a:t>04/03/2021</a:t>
+                      </a:r>
+                      <a:endParaRPr lang="en-IN" dirty="0">
+                        <a:solidFill>
+                          <a:schemeClr val="tx1">
+                            <a:lumMod val="95000"/>
+                          </a:schemeClr>
+                        </a:solidFill>
+                      </a:endParaRPr>
+                    </a:p>
+                  </a:txBody>
+                  <a:tcPr/>
+                </a:tc>
+                <a:tc>
+                  <a:txBody>
+                    <a:bodyPr/>
+                    <a:lstStyle/>
+                    <a:p>
+                      <a:r>
+                        <a:rPr lang="en-US" dirty="0" smtClean="0"/>
+                        <a:t> Complete</a:t>
+                      </a:r>
+                      <a:endParaRPr lang="en-IN" dirty="0">
+                        <a:solidFill>
+                          <a:schemeClr val="tx1">
+                            <a:lumMod val="95000"/>
+                          </a:schemeClr>
+                        </a:solidFill>
+                      </a:endParaRPr>
+                    </a:p>
+                  </a:txBody>
+                  <a:tcPr/>
+                </a:tc>
+              </a:tr>
+              <a:tr h="399491">
+                <a:tc>
+                  <a:txBody>
+                    <a:bodyPr/>
+                    <a:lstStyle/>
+                    <a:p>
+                      <a:r>
+                        <a:rPr lang="en-US" dirty="0" smtClean="0"/>
+                        <a:t>           Change/Forget</a:t>
+                      </a:r>
+                      <a:r>
+                        <a:rPr lang="en-US" baseline="0" dirty="0" smtClean="0"/>
+                        <a:t> Password</a:t>
+                      </a:r>
+                      <a:endParaRPr lang="en-IN" dirty="0">
+                        <a:solidFill>
+                          <a:schemeClr val="tx1">
+                            <a:lumMod val="95000"/>
+                          </a:schemeClr>
+                        </a:solidFill>
+                      </a:endParaRPr>
+                    </a:p>
+                  </a:txBody>
+                  <a:tcPr/>
+                </a:tc>
+                <a:tc>
+                  <a:txBody>
+                    <a:bodyPr/>
+                    <a:lstStyle/>
+                    <a:p>
+                      <a:r>
+                        <a:rPr lang="en-US" dirty="0" smtClean="0"/>
+                        <a:t>     1d</a:t>
+                      </a:r>
+                      <a:endParaRPr lang="en-IN" dirty="0">
+                        <a:solidFill>
+                          <a:schemeClr val="tx1">
+                            <a:lumMod val="95000"/>
+                          </a:schemeClr>
+                        </a:solidFill>
+                      </a:endParaRPr>
+                    </a:p>
+                  </a:txBody>
+                  <a:tcPr/>
+                </a:tc>
+                <a:tc>
+                  <a:txBody>
+                    <a:bodyPr/>
+                    <a:lstStyle/>
+                    <a:p>
+                      <a:r>
+                        <a:rPr lang="en-US" dirty="0" smtClean="0"/>
+                        <a:t>05/03/2021</a:t>
+                      </a:r>
+                      <a:endParaRPr lang="en-IN" dirty="0">
+                        <a:solidFill>
+                          <a:schemeClr val="tx1">
+                            <a:lumMod val="95000"/>
+                          </a:schemeClr>
+                        </a:solidFill>
+                      </a:endParaRPr>
+                    </a:p>
+                  </a:txBody>
+                  <a:tcPr/>
+                </a:tc>
+                <a:tc>
+                  <a:txBody>
+                    <a:bodyPr/>
+                    <a:lstStyle/>
+                    <a:p>
+                      <a:r>
+                        <a:rPr lang="en-US" dirty="0" smtClean="0"/>
+                        <a:t>05/03/2021</a:t>
+                      </a:r>
+                      <a:endParaRPr lang="en-IN" dirty="0">
+                        <a:solidFill>
+                          <a:schemeClr val="tx1">
+                            <a:lumMod val="95000"/>
+                          </a:schemeClr>
+                        </a:solidFill>
+                      </a:endParaRPr>
+                    </a:p>
+                  </a:txBody>
+                  <a:tcPr/>
+                </a:tc>
+                <a:tc>
+                  <a:txBody>
+                    <a:bodyPr/>
+                    <a:lstStyle/>
+                    <a:p>
+                      <a:r>
+                        <a:rPr lang="en-US" dirty="0" smtClean="0"/>
+                        <a:t>Incomplete</a:t>
+                      </a:r>
+                      <a:endParaRPr lang="en-IN" dirty="0">
+                        <a:solidFill>
+                          <a:schemeClr val="tx1">
+                            <a:lumMod val="95000"/>
+                          </a:schemeClr>
+                        </a:solidFill>
+                      </a:endParaRPr>
+                    </a:p>
+                  </a:txBody>
+                  <a:tcPr/>
+                </a:tc>
+              </a:tr>
+            </a:tbl>
+          </a:graphicData>
+        </a:graphic>
+      </p:graphicFrame>
+    </p:spTree>
+    <p:extLst>
+      <p:ext uri="{BB962C8B-B14F-4D97-AF65-F5344CB8AC3E}">
+        <p14:creationId xmlns:p14="http://schemas.microsoft.com/office/powerpoint/2010/main" val="1277318028"/>
+      </p:ext>
+    </p:extLst>
+  </p:cSld>
+  <p:clrMapOvr>
+    <a:masterClrMapping/>
+  </p:clrMapOvr>
   <mc:AlternateContent xmlns:mc="http://schemas.openxmlformats.org/markup-compatibility/2006">
     <mc:Choice xmlns:p14="http://schemas.microsoft.com/office/powerpoint/2010/main" Requires="p14">
       <p:transition spd="med" p14:dur="700">
@@ -10313,6 +11650,2027 @@
       </p:transition>
     </mc:Fallback>
   </mc:AlternateContent>
+  <p:timing>
+    <p:tnLst>
+      <p:par>
+        <p:cTn id="1" dur="indefinite" restart="never" nodeType="tmRoot"/>
+      </p:par>
+    </p:tnLst>
+  </p:timing>
+</p:sld>
+</file>
+
+<file path=ppt/slides/slide26.xml><?xml version="1.0" encoding="utf-8"?>
+<p:sld xmlns:a="http://schemas.openxmlformats.org/drawingml/2006/main" xmlns:r="http://schemas.openxmlformats.org/officeDocument/2006/relationships" xmlns:p="http://schemas.openxmlformats.org/presentationml/2006/main">
+  <p:cSld>
+    <p:spTree>
+      <p:nvGrpSpPr>
+        <p:cNvPr id="1" name=""/>
+        <p:cNvGrpSpPr/>
+        <p:nvPr/>
+      </p:nvGrpSpPr>
+      <p:grpSpPr>
+        <a:xfrm>
+          <a:off x="0" y="0"/>
+          <a:ext cx="0" cy="0"/>
+          <a:chOff x="0" y="0"/>
+          <a:chExt cx="0" cy="0"/>
+        </a:xfrm>
+      </p:grpSpPr>
+      <p:sp>
+        <p:nvSpPr>
+          <p:cNvPr id="2" name="Title 1"/>
+          <p:cNvSpPr>
+            <a:spLocks noGrp="1"/>
+          </p:cNvSpPr>
+          <p:nvPr>
+            <p:ph type="title"/>
+          </p:nvPr>
+        </p:nvSpPr>
+        <p:spPr>
+          <a:xfrm>
+            <a:off x="838200" y="365126"/>
+            <a:ext cx="10515600" cy="831626"/>
+          </a:xfrm>
+        </p:spPr>
+        <p:txBody>
+          <a:bodyPr anchor="ctr"/>
+          <a:lstStyle/>
+          <a:p>
+            <a:pPr algn="ctr"/>
+            <a:r>
+              <a:rPr lang="en-US" dirty="0" smtClean="0"/>
+              <a:t>Agile Project Plan(2)</a:t>
+            </a:r>
+            <a:endParaRPr lang="en-IN" dirty="0"/>
+          </a:p>
+        </p:txBody>
+      </p:sp>
+      <p:graphicFrame>
+        <p:nvGraphicFramePr>
+          <p:cNvPr id="6" name="Content Placeholder 5"/>
+          <p:cNvGraphicFramePr>
+            <a:graphicFrameLocks noGrp="1"/>
+          </p:cNvGraphicFramePr>
+          <p:nvPr>
+            <p:ph idx="1"/>
+            <p:extLst>
+              <p:ext uri="{D42A27DB-BD31-4B8C-83A1-F6EECF244321}">
+                <p14:modId xmlns:p14="http://schemas.microsoft.com/office/powerpoint/2010/main" val="3604153083"/>
+              </p:ext>
+            </p:extLst>
+          </p:nvPr>
+        </p:nvGraphicFramePr>
+        <p:xfrm>
+          <a:off x="623392" y="1196751"/>
+          <a:ext cx="10730408" cy="4968557"/>
+        </p:xfrm>
+        <a:graphic>
+          <a:graphicData uri="http://schemas.openxmlformats.org/drawingml/2006/table">
+            <a:tbl>
+              <a:tblPr firstRow="1" bandRow="1">
+                <a:tableStyleId>{0660B408-B3CF-4A94-85FC-2B1E0A45F4A2}</a:tableStyleId>
+              </a:tblPr>
+              <a:tblGrid>
+                <a:gridCol w="4703893"/>
+                <a:gridCol w="1469579"/>
+                <a:gridCol w="1396100"/>
+                <a:gridCol w="1469579"/>
+                <a:gridCol w="1691257"/>
+              </a:tblGrid>
+              <a:tr h="451687">
+                <a:tc>
+                  <a:txBody>
+                    <a:bodyPr/>
+                    <a:lstStyle/>
+                    <a:p>
+                      <a:pPr algn="ctr"/>
+                      <a:r>
+                        <a:rPr lang="en-US" sz="1700" dirty="0" smtClean="0"/>
+                        <a:t>    Sprint Title</a:t>
+                      </a:r>
+                      <a:endParaRPr lang="en-IN" sz="1700" dirty="0">
+                        <a:latin typeface="Arial Unicode MS" panose="020B0604020202020204" pitchFamily="34" charset="-128"/>
+                        <a:ea typeface="Arial Unicode MS" panose="020B0604020202020204" pitchFamily="34" charset="-128"/>
+                        <a:cs typeface="Arial Unicode MS" panose="020B0604020202020204" pitchFamily="34" charset="-128"/>
+                      </a:endParaRPr>
+                    </a:p>
+                  </a:txBody>
+                  <a:tcPr/>
+                </a:tc>
+                <a:tc>
+                  <a:txBody>
+                    <a:bodyPr/>
+                    <a:lstStyle/>
+                    <a:p>
+                      <a:pPr algn="ctr"/>
+                      <a:r>
+                        <a:rPr lang="en-US" sz="1700" dirty="0" smtClean="0"/>
+                        <a:t>Duration</a:t>
+                      </a:r>
+                      <a:endParaRPr lang="en-IN" sz="1700" dirty="0">
+                        <a:latin typeface="Arial Unicode MS" panose="020B0604020202020204" pitchFamily="34" charset="-128"/>
+                        <a:ea typeface="Arial Unicode MS" panose="020B0604020202020204" pitchFamily="34" charset="-128"/>
+                        <a:cs typeface="Arial Unicode MS" panose="020B0604020202020204" pitchFamily="34" charset="-128"/>
+                      </a:endParaRPr>
+                    </a:p>
+                  </a:txBody>
+                  <a:tcPr/>
+                </a:tc>
+                <a:tc>
+                  <a:txBody>
+                    <a:bodyPr/>
+                    <a:lstStyle/>
+                    <a:p>
+                      <a:pPr algn="ctr"/>
+                      <a:r>
+                        <a:rPr lang="en-US" sz="1700" dirty="0" smtClean="0"/>
+                        <a:t> Start</a:t>
+                      </a:r>
+                      <a:endParaRPr lang="en-IN" sz="1700" dirty="0">
+                        <a:latin typeface="Arial Unicode MS" panose="020B0604020202020204" pitchFamily="34" charset="-128"/>
+                        <a:ea typeface="Arial Unicode MS" panose="020B0604020202020204" pitchFamily="34" charset="-128"/>
+                        <a:cs typeface="Arial Unicode MS" panose="020B0604020202020204" pitchFamily="34" charset="-128"/>
+                      </a:endParaRPr>
+                    </a:p>
+                  </a:txBody>
+                  <a:tcPr/>
+                </a:tc>
+                <a:tc>
+                  <a:txBody>
+                    <a:bodyPr/>
+                    <a:lstStyle/>
+                    <a:p>
+                      <a:pPr algn="ctr"/>
+                      <a:r>
+                        <a:rPr lang="en-US" sz="1700" dirty="0" smtClean="0"/>
+                        <a:t> End</a:t>
+                      </a:r>
+                      <a:endParaRPr lang="en-IN" sz="1700" dirty="0">
+                        <a:latin typeface="Arial Unicode MS" panose="020B0604020202020204" pitchFamily="34" charset="-128"/>
+                        <a:ea typeface="Arial Unicode MS" panose="020B0604020202020204" pitchFamily="34" charset="-128"/>
+                        <a:cs typeface="Arial Unicode MS" panose="020B0604020202020204" pitchFamily="34" charset="-128"/>
+                      </a:endParaRPr>
+                    </a:p>
+                  </a:txBody>
+                  <a:tcPr/>
+                </a:tc>
+                <a:tc>
+                  <a:txBody>
+                    <a:bodyPr/>
+                    <a:lstStyle/>
+                    <a:p>
+                      <a:pPr algn="ctr"/>
+                      <a:r>
+                        <a:rPr lang="en-US" sz="1700" dirty="0" smtClean="0"/>
+                        <a:t> Status</a:t>
+                      </a:r>
+                      <a:endParaRPr lang="en-IN" sz="1700" dirty="0">
+                        <a:latin typeface="Arial Unicode MS" panose="020B0604020202020204" pitchFamily="34" charset="-128"/>
+                        <a:ea typeface="Arial Unicode MS" panose="020B0604020202020204" pitchFamily="34" charset="-128"/>
+                        <a:cs typeface="Arial Unicode MS" panose="020B0604020202020204" pitchFamily="34" charset="-128"/>
+                      </a:endParaRPr>
+                    </a:p>
+                  </a:txBody>
+                  <a:tcPr/>
+                </a:tc>
+              </a:tr>
+              <a:tr h="451687">
+                <a:tc>
+                  <a:txBody>
+                    <a:bodyPr/>
+                    <a:lstStyle/>
+                    <a:p>
+                      <a:pPr algn="ctr"/>
+                      <a:r>
+                        <a:rPr lang="en-US" sz="1700" dirty="0" smtClean="0"/>
+                        <a:t> Sprint#5 User</a:t>
+                      </a:r>
+                      <a:r>
+                        <a:rPr lang="en-US" sz="1700" baseline="0" dirty="0" smtClean="0"/>
+                        <a:t> Subscription</a:t>
+                      </a:r>
+                      <a:endParaRPr lang="en-IN" sz="1700" dirty="0">
+                        <a:solidFill>
+                          <a:schemeClr val="tx1"/>
+                        </a:solidFill>
+                        <a:latin typeface="Arial Unicode MS" panose="020B0604020202020204" pitchFamily="34" charset="-128"/>
+                        <a:ea typeface="Arial Unicode MS" panose="020B0604020202020204" pitchFamily="34" charset="-128"/>
+                        <a:cs typeface="Arial Unicode MS" panose="020B0604020202020204" pitchFamily="34" charset="-128"/>
+                      </a:endParaRPr>
+                    </a:p>
+                  </a:txBody>
+                  <a:tcPr/>
+                </a:tc>
+                <a:tc>
+                  <a:txBody>
+                    <a:bodyPr/>
+                    <a:lstStyle/>
+                    <a:p>
+                      <a:pPr algn="ctr"/>
+                      <a:r>
+                        <a:rPr lang="en-US" sz="1700" dirty="0" smtClean="0"/>
+                        <a:t>   </a:t>
+                      </a:r>
+                      <a:r>
+                        <a:rPr lang="en-US" sz="1700" dirty="0" smtClean="0"/>
+                        <a:t>2d</a:t>
+                      </a:r>
+                      <a:endParaRPr lang="en-IN" sz="1700" dirty="0">
+                        <a:solidFill>
+                          <a:schemeClr val="bg2">
+                            <a:lumMod val="50000"/>
+                            <a:lumOff val="50000"/>
+                          </a:schemeClr>
+                        </a:solidFill>
+                        <a:latin typeface="Arial Unicode MS" panose="020B0604020202020204" pitchFamily="34" charset="-128"/>
+                        <a:ea typeface="Arial Unicode MS" panose="020B0604020202020204" pitchFamily="34" charset="-128"/>
+                        <a:cs typeface="Arial Unicode MS" panose="020B0604020202020204" pitchFamily="34" charset="-128"/>
+                      </a:endParaRPr>
+                    </a:p>
+                  </a:txBody>
+                  <a:tcPr/>
+                </a:tc>
+                <a:tc>
+                  <a:txBody>
+                    <a:bodyPr/>
+                    <a:lstStyle/>
+                    <a:p>
+                      <a:pPr algn="ctr"/>
+                      <a:r>
+                        <a:rPr lang="en-US" sz="1700" dirty="0" smtClean="0"/>
+                        <a:t>06/03/2021</a:t>
+                      </a:r>
+                      <a:endParaRPr lang="en-IN" sz="1700" dirty="0">
+                        <a:solidFill>
+                          <a:schemeClr val="tx1">
+                            <a:lumMod val="95000"/>
+                          </a:schemeClr>
+                        </a:solidFill>
+                        <a:latin typeface="Arial Unicode MS" panose="020B0604020202020204" pitchFamily="34" charset="-128"/>
+                        <a:ea typeface="Arial Unicode MS" panose="020B0604020202020204" pitchFamily="34" charset="-128"/>
+                        <a:cs typeface="Arial Unicode MS" panose="020B0604020202020204" pitchFamily="34" charset="-128"/>
+                      </a:endParaRPr>
+                    </a:p>
+                  </a:txBody>
+                  <a:tcPr/>
+                </a:tc>
+                <a:tc>
+                  <a:txBody>
+                    <a:bodyPr/>
+                    <a:lstStyle/>
+                    <a:p>
+                      <a:pPr algn="ctr"/>
+                      <a:r>
+                        <a:rPr lang="en-US" sz="1700" dirty="0" smtClean="0"/>
+                        <a:t>07/03/2021</a:t>
+                      </a:r>
+                      <a:endParaRPr lang="en-IN" sz="1700" dirty="0">
+                        <a:solidFill>
+                          <a:schemeClr val="tx1">
+                            <a:lumMod val="95000"/>
+                          </a:schemeClr>
+                        </a:solidFill>
+                        <a:latin typeface="Arial Unicode MS" panose="020B0604020202020204" pitchFamily="34" charset="-128"/>
+                        <a:ea typeface="Arial Unicode MS" panose="020B0604020202020204" pitchFamily="34" charset="-128"/>
+                        <a:cs typeface="Arial Unicode MS" panose="020B0604020202020204" pitchFamily="34" charset="-128"/>
+                      </a:endParaRPr>
+                    </a:p>
+                  </a:txBody>
+                  <a:tcPr/>
+                </a:tc>
+                <a:tc>
+                  <a:txBody>
+                    <a:bodyPr/>
+                    <a:lstStyle/>
+                    <a:p>
+                      <a:pPr algn="ctr"/>
+                      <a:r>
+                        <a:rPr lang="en-US" sz="1700" dirty="0" smtClean="0"/>
+                        <a:t> Complete</a:t>
+                      </a:r>
+                      <a:endParaRPr lang="en-IN" sz="1700" dirty="0">
+                        <a:solidFill>
+                          <a:schemeClr val="tx1">
+                            <a:lumMod val="95000"/>
+                          </a:schemeClr>
+                        </a:solidFill>
+                        <a:latin typeface="Arial Unicode MS" panose="020B0604020202020204" pitchFamily="34" charset="-128"/>
+                        <a:ea typeface="Arial Unicode MS" panose="020B0604020202020204" pitchFamily="34" charset="-128"/>
+                        <a:cs typeface="Arial Unicode MS" panose="020B0604020202020204" pitchFamily="34" charset="-128"/>
+                      </a:endParaRPr>
+                    </a:p>
+                  </a:txBody>
+                  <a:tcPr/>
+                </a:tc>
+              </a:tr>
+              <a:tr h="451687">
+                <a:tc>
+                  <a:txBody>
+                    <a:bodyPr/>
+                    <a:lstStyle/>
+                    <a:p>
+                      <a:pPr algn="ctr"/>
+                      <a:r>
+                        <a:rPr lang="en-US" sz="1700" dirty="0" smtClean="0"/>
+                        <a:t> Sprint#6</a:t>
+                      </a:r>
+                      <a:r>
+                        <a:rPr lang="en-US" sz="1700" baseline="0" dirty="0" smtClean="0"/>
+                        <a:t> Manage Profile</a:t>
+                      </a:r>
+                      <a:endParaRPr lang="en-IN" sz="1700" dirty="0">
+                        <a:solidFill>
+                          <a:schemeClr val="tx1">
+                            <a:lumMod val="95000"/>
+                          </a:schemeClr>
+                        </a:solidFill>
+                        <a:latin typeface="Arial Unicode MS" panose="020B0604020202020204" pitchFamily="34" charset="-128"/>
+                        <a:ea typeface="Arial Unicode MS" panose="020B0604020202020204" pitchFamily="34" charset="-128"/>
+                        <a:cs typeface="Arial Unicode MS" panose="020B0604020202020204" pitchFamily="34" charset="-128"/>
+                      </a:endParaRPr>
+                    </a:p>
+                  </a:txBody>
+                  <a:tcPr/>
+                </a:tc>
+                <a:tc>
+                  <a:txBody>
+                    <a:bodyPr/>
+                    <a:lstStyle/>
+                    <a:p>
+                      <a:pPr algn="ctr"/>
+                      <a:r>
+                        <a:rPr lang="en-US" sz="1700" dirty="0" smtClean="0"/>
+                        <a:t>   </a:t>
+                      </a:r>
+                      <a:r>
+                        <a:rPr lang="en-US" sz="1700" dirty="0" smtClean="0"/>
+                        <a:t>3d</a:t>
+                      </a:r>
+                      <a:endParaRPr lang="en-IN" sz="1700" dirty="0">
+                        <a:solidFill>
+                          <a:schemeClr val="tx1">
+                            <a:lumMod val="95000"/>
+                          </a:schemeClr>
+                        </a:solidFill>
+                        <a:latin typeface="Arial Unicode MS" panose="020B0604020202020204" pitchFamily="34" charset="-128"/>
+                        <a:ea typeface="Arial Unicode MS" panose="020B0604020202020204" pitchFamily="34" charset="-128"/>
+                        <a:cs typeface="Arial Unicode MS" panose="020B0604020202020204" pitchFamily="34" charset="-128"/>
+                      </a:endParaRPr>
+                    </a:p>
+                  </a:txBody>
+                  <a:tcPr/>
+                </a:tc>
+                <a:tc>
+                  <a:txBody>
+                    <a:bodyPr/>
+                    <a:lstStyle/>
+                    <a:p>
+                      <a:pPr algn="ctr"/>
+                      <a:r>
+                        <a:rPr lang="en-US" sz="1700" dirty="0" smtClean="0"/>
+                        <a:t>08/03/2021</a:t>
+                      </a:r>
+                      <a:endParaRPr lang="en-IN" sz="1700" dirty="0">
+                        <a:solidFill>
+                          <a:schemeClr val="tx1">
+                            <a:lumMod val="95000"/>
+                          </a:schemeClr>
+                        </a:solidFill>
+                        <a:latin typeface="Arial Unicode MS" panose="020B0604020202020204" pitchFamily="34" charset="-128"/>
+                        <a:ea typeface="Arial Unicode MS" panose="020B0604020202020204" pitchFamily="34" charset="-128"/>
+                        <a:cs typeface="Arial Unicode MS" panose="020B0604020202020204" pitchFamily="34" charset="-128"/>
+                      </a:endParaRPr>
+                    </a:p>
+                  </a:txBody>
+                  <a:tcPr/>
+                </a:tc>
+                <a:tc>
+                  <a:txBody>
+                    <a:bodyPr/>
+                    <a:lstStyle/>
+                    <a:p>
+                      <a:pPr algn="ctr"/>
+                      <a:r>
+                        <a:rPr lang="en-US" sz="1700" dirty="0" smtClean="0"/>
+                        <a:t>10/03/2021</a:t>
+                      </a:r>
+                      <a:endParaRPr lang="en-IN" sz="1700" dirty="0">
+                        <a:solidFill>
+                          <a:schemeClr val="tx1">
+                            <a:lumMod val="95000"/>
+                          </a:schemeClr>
+                        </a:solidFill>
+                        <a:latin typeface="Arial Unicode MS" panose="020B0604020202020204" pitchFamily="34" charset="-128"/>
+                        <a:ea typeface="Arial Unicode MS" panose="020B0604020202020204" pitchFamily="34" charset="-128"/>
+                        <a:cs typeface="Arial Unicode MS" panose="020B0604020202020204" pitchFamily="34" charset="-128"/>
+                      </a:endParaRPr>
+                    </a:p>
+                  </a:txBody>
+                  <a:tcPr/>
+                </a:tc>
+                <a:tc>
+                  <a:txBody>
+                    <a:bodyPr/>
+                    <a:lstStyle/>
+                    <a:p>
+                      <a:pPr algn="ctr"/>
+                      <a:r>
+                        <a:rPr lang="en-US" sz="1700" dirty="0" smtClean="0"/>
+                        <a:t> </a:t>
+                      </a:r>
+                      <a:r>
+                        <a:rPr lang="en-US" sz="1700" dirty="0" smtClean="0"/>
+                        <a:t>Complete</a:t>
+                      </a:r>
+                      <a:endParaRPr lang="en-IN" sz="1700" dirty="0">
+                        <a:solidFill>
+                          <a:schemeClr val="tx1">
+                            <a:lumMod val="95000"/>
+                          </a:schemeClr>
+                        </a:solidFill>
+                        <a:latin typeface="Arial Unicode MS" panose="020B0604020202020204" pitchFamily="34" charset="-128"/>
+                        <a:ea typeface="Arial Unicode MS" panose="020B0604020202020204" pitchFamily="34" charset="-128"/>
+                        <a:cs typeface="Arial Unicode MS" panose="020B0604020202020204" pitchFamily="34" charset="-128"/>
+                      </a:endParaRPr>
+                    </a:p>
+                  </a:txBody>
+                  <a:tcPr/>
+                </a:tc>
+              </a:tr>
+              <a:tr h="451687">
+                <a:tc>
+                  <a:txBody>
+                    <a:bodyPr/>
+                    <a:lstStyle/>
+                    <a:p>
+                      <a:pPr algn="ctr"/>
+                      <a:r>
+                        <a:rPr lang="en-US" sz="1700" dirty="0" smtClean="0"/>
+                        <a:t> Sprint#7 Manage Properties</a:t>
+                      </a:r>
+                      <a:endParaRPr lang="en-IN" sz="1700" dirty="0"/>
+                    </a:p>
+                  </a:txBody>
+                  <a:tcPr/>
+                </a:tc>
+                <a:tc>
+                  <a:txBody>
+                    <a:bodyPr/>
+                    <a:lstStyle/>
+                    <a:p>
+                      <a:pPr algn="ctr"/>
+                      <a:r>
+                        <a:rPr lang="en-US" sz="1700" dirty="0" smtClean="0"/>
+                        <a:t>   3d</a:t>
+                      </a:r>
+                      <a:endParaRPr lang="en-IN" sz="1700" dirty="0"/>
+                    </a:p>
+                  </a:txBody>
+                  <a:tcPr/>
+                </a:tc>
+                <a:tc>
+                  <a:txBody>
+                    <a:bodyPr/>
+                    <a:lstStyle/>
+                    <a:p>
+                      <a:pPr algn="ctr"/>
+                      <a:r>
+                        <a:rPr lang="en-US" sz="1700" dirty="0" smtClean="0"/>
+                        <a:t>11/03/2021</a:t>
+                      </a:r>
+                      <a:endParaRPr lang="en-IN" sz="1700" dirty="0">
+                        <a:latin typeface="Arial" panose="020B0604020202020204" pitchFamily="34" charset="0"/>
+                        <a:cs typeface="Arial" panose="020B0604020202020204" pitchFamily="34" charset="0"/>
+                      </a:endParaRPr>
+                    </a:p>
+                  </a:txBody>
+                  <a:tcPr/>
+                </a:tc>
+                <a:tc>
+                  <a:txBody>
+                    <a:bodyPr/>
+                    <a:lstStyle/>
+                    <a:p>
+                      <a:pPr algn="ctr"/>
+                      <a:r>
+                        <a:rPr lang="en-US" sz="1700" dirty="0" smtClean="0"/>
+                        <a:t>13/03/2021</a:t>
+                      </a:r>
+                      <a:endParaRPr lang="en-IN" sz="1700" dirty="0"/>
+                    </a:p>
+                  </a:txBody>
+                  <a:tcPr/>
+                </a:tc>
+                <a:tc>
+                  <a:txBody>
+                    <a:bodyPr/>
+                    <a:lstStyle/>
+                    <a:p>
+                      <a:pPr algn="ctr"/>
+                      <a:r>
+                        <a:rPr lang="en-US" sz="1700" dirty="0" smtClean="0"/>
+                        <a:t> Complete</a:t>
+                      </a:r>
+                      <a:endParaRPr lang="en-IN" sz="1700" dirty="0"/>
+                    </a:p>
+                  </a:txBody>
+                  <a:tcPr/>
+                </a:tc>
+              </a:tr>
+              <a:tr h="451687">
+                <a:tc>
+                  <a:txBody>
+                    <a:bodyPr/>
+                    <a:lstStyle/>
+                    <a:p>
+                      <a:pPr algn="ctr"/>
+                      <a:r>
+                        <a:rPr lang="en-US" sz="1700" dirty="0" smtClean="0"/>
+                        <a:t> </a:t>
+                      </a:r>
+                      <a:r>
+                        <a:rPr lang="en-US" sz="1700" baseline="0" dirty="0" smtClean="0"/>
+                        <a:t>    Add and View Property</a:t>
+                      </a:r>
+                      <a:endParaRPr lang="en-IN" sz="1700" dirty="0"/>
+                    </a:p>
+                  </a:txBody>
+                  <a:tcPr/>
+                </a:tc>
+                <a:tc>
+                  <a:txBody>
+                    <a:bodyPr/>
+                    <a:lstStyle/>
+                    <a:p>
+                      <a:pPr algn="ctr"/>
+                      <a:r>
+                        <a:rPr lang="en-US" sz="1700" dirty="0" smtClean="0"/>
+                        <a:t>   2d</a:t>
+                      </a:r>
+                      <a:endParaRPr lang="en-IN" sz="1700" dirty="0"/>
+                    </a:p>
+                  </a:txBody>
+                  <a:tcPr/>
+                </a:tc>
+                <a:tc>
+                  <a:txBody>
+                    <a:bodyPr/>
+                    <a:lstStyle/>
+                    <a:p>
+                      <a:pPr algn="ctr"/>
+                      <a:r>
+                        <a:rPr lang="en-US" sz="1700" dirty="0" smtClean="0"/>
+                        <a:t>11/03/2021</a:t>
+                      </a:r>
+                      <a:endParaRPr lang="en-IN" sz="1700" dirty="0"/>
+                    </a:p>
+                  </a:txBody>
+                  <a:tcPr/>
+                </a:tc>
+                <a:tc>
+                  <a:txBody>
+                    <a:bodyPr/>
+                    <a:lstStyle/>
+                    <a:p>
+                      <a:pPr algn="ctr"/>
+                      <a:r>
+                        <a:rPr lang="en-US" sz="1700" dirty="0" smtClean="0"/>
+                        <a:t>12/03/2021</a:t>
+                      </a:r>
+                      <a:endParaRPr lang="en-IN" sz="1700" dirty="0"/>
+                    </a:p>
+                  </a:txBody>
+                  <a:tcPr/>
+                </a:tc>
+                <a:tc>
+                  <a:txBody>
+                    <a:bodyPr/>
+                    <a:lstStyle/>
+                    <a:p>
+                      <a:pPr algn="ctr"/>
+                      <a:r>
+                        <a:rPr lang="en-US" sz="1700" dirty="0" smtClean="0"/>
+                        <a:t> Complete</a:t>
+                      </a:r>
+                      <a:endParaRPr lang="en-IN" sz="1700" dirty="0"/>
+                    </a:p>
+                  </a:txBody>
+                  <a:tcPr/>
+                </a:tc>
+              </a:tr>
+              <a:tr h="451687">
+                <a:tc>
+                  <a:txBody>
+                    <a:bodyPr/>
+                    <a:lstStyle/>
+                    <a:p>
+                      <a:pPr algn="ctr"/>
+                      <a:r>
+                        <a:rPr lang="en-US" sz="1700" baseline="0" dirty="0" smtClean="0"/>
+                        <a:t> Update/Delete</a:t>
+                      </a:r>
+                      <a:r>
+                        <a:rPr lang="en-US" sz="1700" dirty="0" smtClean="0"/>
+                        <a:t> Property</a:t>
+                      </a:r>
+                      <a:endParaRPr lang="en-IN" sz="1700" dirty="0"/>
+                    </a:p>
+                  </a:txBody>
+                  <a:tcPr/>
+                </a:tc>
+                <a:tc>
+                  <a:txBody>
+                    <a:bodyPr/>
+                    <a:lstStyle/>
+                    <a:p>
+                      <a:pPr algn="ctr"/>
+                      <a:r>
+                        <a:rPr lang="en-US" sz="1700" dirty="0" smtClean="0"/>
+                        <a:t>   1d</a:t>
+                      </a:r>
+                      <a:endParaRPr lang="en-IN" sz="1700" dirty="0"/>
+                    </a:p>
+                  </a:txBody>
+                  <a:tcPr/>
+                </a:tc>
+                <a:tc>
+                  <a:txBody>
+                    <a:bodyPr/>
+                    <a:lstStyle/>
+                    <a:p>
+                      <a:pPr algn="ctr"/>
+                      <a:r>
+                        <a:rPr lang="en-US" sz="1700" dirty="0" smtClean="0"/>
+                        <a:t>13/03/2021</a:t>
+                      </a:r>
+                      <a:endParaRPr lang="en-IN" sz="1700" dirty="0"/>
+                    </a:p>
+                  </a:txBody>
+                  <a:tcPr/>
+                </a:tc>
+                <a:tc>
+                  <a:txBody>
+                    <a:bodyPr/>
+                    <a:lstStyle/>
+                    <a:p>
+                      <a:pPr algn="ctr"/>
+                      <a:r>
+                        <a:rPr lang="en-US" sz="1700" dirty="0" smtClean="0"/>
+                        <a:t>13/03/2021</a:t>
+                      </a:r>
+                      <a:endParaRPr lang="en-IN" sz="1700" dirty="0"/>
+                    </a:p>
+                  </a:txBody>
+                  <a:tcPr/>
+                </a:tc>
+                <a:tc>
+                  <a:txBody>
+                    <a:bodyPr/>
+                    <a:lstStyle/>
+                    <a:p>
+                      <a:pPr algn="ctr"/>
+                      <a:r>
+                        <a:rPr lang="en-US" sz="1700" dirty="0" smtClean="0"/>
+                        <a:t> Complete</a:t>
+                      </a:r>
+                      <a:endParaRPr lang="en-IN" sz="1700" dirty="0"/>
+                    </a:p>
+                  </a:txBody>
+                  <a:tcPr/>
+                </a:tc>
+              </a:tr>
+              <a:tr h="451687">
+                <a:tc>
+                  <a:txBody>
+                    <a:bodyPr/>
+                    <a:lstStyle/>
+                    <a:p>
+                      <a:pPr algn="ctr"/>
+                      <a:r>
+                        <a:rPr lang="en-US" sz="1700" dirty="0" smtClean="0"/>
+                        <a:t>Sprint#8 Manage</a:t>
+                      </a:r>
+                      <a:r>
+                        <a:rPr lang="en-US" sz="1700" baseline="0" dirty="0" smtClean="0"/>
+                        <a:t> Leads</a:t>
+                      </a:r>
+                      <a:endParaRPr lang="en-IN" sz="1700" dirty="0">
+                        <a:solidFill>
+                          <a:schemeClr val="tx1">
+                            <a:lumMod val="95000"/>
+                          </a:schemeClr>
+                        </a:solidFill>
+                        <a:latin typeface="Arial Unicode MS" panose="020B0604020202020204" pitchFamily="34" charset="-128"/>
+                        <a:ea typeface="Arial Unicode MS" panose="020B0604020202020204" pitchFamily="34" charset="-128"/>
+                        <a:cs typeface="Arial Unicode MS" panose="020B0604020202020204" pitchFamily="34" charset="-128"/>
+                      </a:endParaRPr>
+                    </a:p>
+                  </a:txBody>
+                  <a:tcPr/>
+                </a:tc>
+                <a:tc>
+                  <a:txBody>
+                    <a:bodyPr/>
+                    <a:lstStyle/>
+                    <a:p>
+                      <a:pPr algn="ctr"/>
+                      <a:r>
+                        <a:rPr lang="en-US" sz="1700" dirty="0" smtClean="0"/>
+                        <a:t>  </a:t>
+                      </a:r>
+                      <a:r>
+                        <a:rPr lang="en-US" sz="1700" dirty="0" smtClean="0"/>
+                        <a:t> 5d</a:t>
+                      </a:r>
+                      <a:endParaRPr lang="en-IN" sz="1700" dirty="0">
+                        <a:solidFill>
+                          <a:schemeClr val="tx1">
+                            <a:lumMod val="95000"/>
+                          </a:schemeClr>
+                        </a:solidFill>
+                        <a:latin typeface="Arial Unicode MS" panose="020B0604020202020204" pitchFamily="34" charset="-128"/>
+                        <a:ea typeface="Arial Unicode MS" panose="020B0604020202020204" pitchFamily="34" charset="-128"/>
+                        <a:cs typeface="Arial Unicode MS" panose="020B0604020202020204" pitchFamily="34" charset="-128"/>
+                      </a:endParaRPr>
+                    </a:p>
+                  </a:txBody>
+                  <a:tcPr/>
+                </a:tc>
+                <a:tc>
+                  <a:txBody>
+                    <a:bodyPr/>
+                    <a:lstStyle/>
+                    <a:p>
+                      <a:pPr algn="ctr"/>
+                      <a:r>
+                        <a:rPr lang="en-US" sz="1700" dirty="0" smtClean="0"/>
+                        <a:t>14/03/2021</a:t>
+                      </a:r>
+                      <a:endParaRPr lang="en-IN" sz="1700" dirty="0"/>
+                    </a:p>
+                  </a:txBody>
+                  <a:tcPr/>
+                </a:tc>
+                <a:tc>
+                  <a:txBody>
+                    <a:bodyPr/>
+                    <a:lstStyle/>
+                    <a:p>
+                      <a:pPr algn="ctr"/>
+                      <a:r>
+                        <a:rPr lang="en-US" sz="1700" dirty="0" smtClean="0"/>
+                        <a:t>18/03/2021</a:t>
+                      </a:r>
+                      <a:endParaRPr lang="en-IN" sz="1700" dirty="0"/>
+                    </a:p>
+                  </a:txBody>
+                  <a:tcPr/>
+                </a:tc>
+                <a:tc>
+                  <a:txBody>
+                    <a:bodyPr/>
+                    <a:lstStyle/>
+                    <a:p>
+                      <a:pPr algn="ctr"/>
+                      <a:r>
+                        <a:rPr lang="en-US" sz="1700" dirty="0" smtClean="0"/>
+                        <a:t> Complete</a:t>
+                      </a:r>
+                      <a:endParaRPr lang="en-IN" sz="1700" dirty="0"/>
+                    </a:p>
+                  </a:txBody>
+                  <a:tcPr/>
+                </a:tc>
+              </a:tr>
+              <a:tr h="451687">
+                <a:tc>
+                  <a:txBody>
+                    <a:bodyPr/>
+                    <a:lstStyle/>
+                    <a:p>
+                      <a:pPr algn="ctr"/>
+                      <a:r>
+                        <a:rPr lang="en-US" sz="1700" dirty="0" smtClean="0"/>
+                        <a:t>     Search Property</a:t>
+                      </a:r>
+                      <a:endParaRPr lang="en-IN" sz="1700" dirty="0"/>
+                    </a:p>
+                  </a:txBody>
+                  <a:tcPr/>
+                </a:tc>
+                <a:tc>
+                  <a:txBody>
+                    <a:bodyPr/>
+                    <a:lstStyle/>
+                    <a:p>
+                      <a:pPr algn="ctr"/>
+                      <a:r>
+                        <a:rPr lang="en-US" sz="1700" dirty="0" smtClean="0"/>
+                        <a:t>    2d</a:t>
+                      </a:r>
+                      <a:endParaRPr lang="en-IN" sz="1700" dirty="0"/>
+                    </a:p>
+                  </a:txBody>
+                  <a:tcPr/>
+                </a:tc>
+                <a:tc>
+                  <a:txBody>
+                    <a:bodyPr/>
+                    <a:lstStyle/>
+                    <a:p>
+                      <a:pPr algn="ctr"/>
+                      <a:r>
+                        <a:rPr lang="en-US" sz="1700" dirty="0" smtClean="0"/>
+                        <a:t>14/03/2021</a:t>
+                      </a:r>
+                      <a:endParaRPr lang="en-IN" sz="1700" dirty="0"/>
+                    </a:p>
+                  </a:txBody>
+                  <a:tcPr/>
+                </a:tc>
+                <a:tc>
+                  <a:txBody>
+                    <a:bodyPr/>
+                    <a:lstStyle/>
+                    <a:p>
+                      <a:pPr algn="ctr"/>
+                      <a:r>
+                        <a:rPr lang="en-US" sz="1700" dirty="0" smtClean="0"/>
+                        <a:t>15/03/2021</a:t>
+                      </a:r>
+                      <a:endParaRPr lang="en-IN" sz="1700" dirty="0"/>
+                    </a:p>
+                  </a:txBody>
+                  <a:tcPr/>
+                </a:tc>
+                <a:tc>
+                  <a:txBody>
+                    <a:bodyPr/>
+                    <a:lstStyle/>
+                    <a:p>
+                      <a:pPr algn="ctr"/>
+                      <a:r>
+                        <a:rPr lang="en-US" sz="1700" dirty="0" smtClean="0"/>
+                        <a:t> Complete</a:t>
+                      </a:r>
+                      <a:endParaRPr lang="en-IN" sz="1700" dirty="0"/>
+                    </a:p>
+                  </a:txBody>
+                  <a:tcPr/>
+                </a:tc>
+              </a:tr>
+              <a:tr h="451687">
+                <a:tc>
+                  <a:txBody>
+                    <a:bodyPr/>
+                    <a:lstStyle/>
+                    <a:p>
+                      <a:pPr algn="ctr"/>
+                      <a:r>
+                        <a:rPr lang="en-US" sz="1700" dirty="0" smtClean="0"/>
+                        <a:t>     Select Property(generate lead)</a:t>
+                      </a:r>
+                      <a:endParaRPr lang="en-IN" sz="1700" dirty="0"/>
+                    </a:p>
+                  </a:txBody>
+                  <a:tcPr/>
+                </a:tc>
+                <a:tc>
+                  <a:txBody>
+                    <a:bodyPr/>
+                    <a:lstStyle/>
+                    <a:p>
+                      <a:pPr algn="ctr"/>
+                      <a:r>
+                        <a:rPr lang="en-US" sz="1700" dirty="0" smtClean="0"/>
+                        <a:t>    1d</a:t>
+                      </a:r>
+                      <a:endParaRPr lang="en-IN" sz="1700" dirty="0"/>
+                    </a:p>
+                  </a:txBody>
+                  <a:tcPr/>
+                </a:tc>
+                <a:tc>
+                  <a:txBody>
+                    <a:bodyPr/>
+                    <a:lstStyle/>
+                    <a:p>
+                      <a:pPr algn="ctr"/>
+                      <a:r>
+                        <a:rPr lang="en-US" sz="1700" dirty="0" smtClean="0"/>
+                        <a:t>16/03/2021</a:t>
+                      </a:r>
+                      <a:endParaRPr lang="en-IN" sz="1700" dirty="0"/>
+                    </a:p>
+                  </a:txBody>
+                  <a:tcPr/>
+                </a:tc>
+                <a:tc>
+                  <a:txBody>
+                    <a:bodyPr/>
+                    <a:lstStyle/>
+                    <a:p>
+                      <a:pPr algn="ctr"/>
+                      <a:r>
+                        <a:rPr lang="en-US" sz="1700" dirty="0" smtClean="0"/>
+                        <a:t>16/03/2021</a:t>
+                      </a:r>
+                      <a:endParaRPr lang="en-IN" sz="1700" dirty="0"/>
+                    </a:p>
+                  </a:txBody>
+                  <a:tcPr/>
+                </a:tc>
+                <a:tc>
+                  <a:txBody>
+                    <a:bodyPr/>
+                    <a:lstStyle/>
+                    <a:p>
+                      <a:pPr algn="ctr"/>
+                      <a:r>
+                        <a:rPr lang="en-US" sz="1700" dirty="0" smtClean="0"/>
+                        <a:t> Complete</a:t>
+                      </a:r>
+                      <a:endParaRPr lang="en-IN" sz="1700" dirty="0"/>
+                    </a:p>
+                  </a:txBody>
+                  <a:tcPr/>
+                </a:tc>
+              </a:tr>
+              <a:tr h="451687">
+                <a:tc>
+                  <a:txBody>
+                    <a:bodyPr/>
+                    <a:lstStyle/>
+                    <a:p>
+                      <a:pPr algn="ctr"/>
+                      <a:r>
+                        <a:rPr lang="en-US" sz="1700" dirty="0" smtClean="0"/>
+                        <a:t>     </a:t>
+                      </a:r>
+                      <a:r>
+                        <a:rPr lang="en-US" sz="1700" baseline="0" dirty="0" smtClean="0"/>
+                        <a:t> View Lead</a:t>
+                      </a:r>
+                      <a:endParaRPr lang="en-IN" sz="1700" dirty="0"/>
+                    </a:p>
+                  </a:txBody>
+                  <a:tcPr/>
+                </a:tc>
+                <a:tc>
+                  <a:txBody>
+                    <a:bodyPr/>
+                    <a:lstStyle/>
+                    <a:p>
+                      <a:pPr algn="ctr"/>
+                      <a:r>
+                        <a:rPr lang="en-US" sz="1700" dirty="0" smtClean="0"/>
+                        <a:t>    1d</a:t>
+                      </a:r>
+                      <a:endParaRPr lang="en-IN" sz="1700" dirty="0"/>
+                    </a:p>
+                  </a:txBody>
+                  <a:tcPr/>
+                </a:tc>
+                <a:tc>
+                  <a:txBody>
+                    <a:bodyPr/>
+                    <a:lstStyle/>
+                    <a:p>
+                      <a:pPr algn="ctr"/>
+                      <a:r>
+                        <a:rPr lang="en-US" sz="1700" dirty="0" smtClean="0"/>
+                        <a:t>17/03/2021</a:t>
+                      </a:r>
+                      <a:endParaRPr lang="en-IN" sz="1700" dirty="0"/>
+                    </a:p>
+                  </a:txBody>
+                  <a:tcPr/>
+                </a:tc>
+                <a:tc>
+                  <a:txBody>
+                    <a:bodyPr/>
+                    <a:lstStyle/>
+                    <a:p>
+                      <a:pPr algn="ctr"/>
+                      <a:r>
+                        <a:rPr lang="en-US" sz="1700" dirty="0" smtClean="0"/>
+                        <a:t>17/03/2021</a:t>
+                      </a:r>
+                      <a:endParaRPr lang="en-IN" sz="1700" dirty="0"/>
+                    </a:p>
+                  </a:txBody>
+                  <a:tcPr/>
+                </a:tc>
+                <a:tc>
+                  <a:txBody>
+                    <a:bodyPr/>
+                    <a:lstStyle/>
+                    <a:p>
+                      <a:pPr algn="ctr"/>
+                      <a:r>
+                        <a:rPr lang="en-US" sz="1700" dirty="0" smtClean="0"/>
+                        <a:t> Complete</a:t>
+                      </a:r>
+                      <a:endParaRPr lang="en-IN" sz="1700" dirty="0"/>
+                    </a:p>
+                  </a:txBody>
+                  <a:tcPr/>
+                </a:tc>
+              </a:tr>
+              <a:tr h="451687">
+                <a:tc>
+                  <a:txBody>
+                    <a:bodyPr/>
+                    <a:lstStyle/>
+                    <a:p>
+                      <a:pPr algn="ctr"/>
+                      <a:r>
+                        <a:rPr lang="en-US" sz="1700" dirty="0" smtClean="0"/>
+                        <a:t>     Delete Lead</a:t>
+                      </a:r>
+                      <a:endParaRPr lang="en-IN" sz="1700" dirty="0"/>
+                    </a:p>
+                  </a:txBody>
+                  <a:tcPr/>
+                </a:tc>
+                <a:tc>
+                  <a:txBody>
+                    <a:bodyPr/>
+                    <a:lstStyle/>
+                    <a:p>
+                      <a:pPr algn="ctr"/>
+                      <a:r>
+                        <a:rPr lang="en-US" sz="1700" dirty="0" smtClean="0"/>
+                        <a:t>    1d</a:t>
+                      </a:r>
+                      <a:endParaRPr lang="en-IN" sz="1700" dirty="0"/>
+                    </a:p>
+                  </a:txBody>
+                  <a:tcPr/>
+                </a:tc>
+                <a:tc>
+                  <a:txBody>
+                    <a:bodyPr/>
+                    <a:lstStyle/>
+                    <a:p>
+                      <a:pPr algn="ctr"/>
+                      <a:r>
+                        <a:rPr lang="en-US" sz="1700" dirty="0" smtClean="0"/>
+                        <a:t>18/03/2021</a:t>
+                      </a:r>
+                      <a:endParaRPr lang="en-IN" sz="1700" dirty="0"/>
+                    </a:p>
+                  </a:txBody>
+                  <a:tcPr/>
+                </a:tc>
+                <a:tc>
+                  <a:txBody>
+                    <a:bodyPr/>
+                    <a:lstStyle/>
+                    <a:p>
+                      <a:pPr algn="ctr"/>
+                      <a:r>
+                        <a:rPr lang="en-US" sz="1700" dirty="0" smtClean="0"/>
+                        <a:t>18/03/2021</a:t>
+                      </a:r>
+                      <a:endParaRPr lang="en-IN" sz="1700" dirty="0"/>
+                    </a:p>
+                  </a:txBody>
+                  <a:tcPr/>
+                </a:tc>
+                <a:tc>
+                  <a:txBody>
+                    <a:bodyPr/>
+                    <a:lstStyle/>
+                    <a:p>
+                      <a:pPr algn="ctr"/>
+                      <a:r>
+                        <a:rPr lang="en-US" sz="1700" dirty="0" smtClean="0"/>
+                        <a:t> Complete</a:t>
+                      </a:r>
+                      <a:endParaRPr lang="en-IN" sz="1700" dirty="0"/>
+                    </a:p>
+                  </a:txBody>
+                  <a:tcPr/>
+                </a:tc>
+              </a:tr>
+            </a:tbl>
+          </a:graphicData>
+        </a:graphic>
+      </p:graphicFrame>
+    </p:spTree>
+    <p:extLst>
+      <p:ext uri="{BB962C8B-B14F-4D97-AF65-F5344CB8AC3E}">
+        <p14:creationId xmlns:p14="http://schemas.microsoft.com/office/powerpoint/2010/main" val="1439608867"/>
+      </p:ext>
+    </p:extLst>
+  </p:cSld>
+  <p:clrMapOvr>
+    <a:masterClrMapping/>
+  </p:clrMapOvr>
+  <mc:AlternateContent xmlns:mc="http://schemas.openxmlformats.org/markup-compatibility/2006">
+    <mc:Choice xmlns:p14="http://schemas.microsoft.com/office/powerpoint/2010/main" Requires="p14">
+      <p:transition spd="med" p14:dur="700">
+        <p:fade/>
+      </p:transition>
+    </mc:Choice>
+    <mc:Fallback>
+      <p:transition spd="med">
+        <p:fade/>
+      </p:transition>
+    </mc:Fallback>
+  </mc:AlternateContent>
+  <p:timing>
+    <p:tnLst>
+      <p:par>
+        <p:cTn id="1" dur="indefinite" restart="never" nodeType="tmRoot"/>
+      </p:par>
+    </p:tnLst>
+  </p:timing>
+</p:sld>
+</file>
+
+<file path=ppt/slides/slide27.xml><?xml version="1.0" encoding="utf-8"?>
+<p:sld xmlns:a="http://schemas.openxmlformats.org/drawingml/2006/main" xmlns:r="http://schemas.openxmlformats.org/officeDocument/2006/relationships" xmlns:p="http://schemas.openxmlformats.org/presentationml/2006/main">
+  <p:cSld>
+    <p:spTree>
+      <p:nvGrpSpPr>
+        <p:cNvPr id="1" name=""/>
+        <p:cNvGrpSpPr/>
+        <p:nvPr/>
+      </p:nvGrpSpPr>
+      <p:grpSpPr>
+        <a:xfrm>
+          <a:off x="0" y="0"/>
+          <a:ext cx="0" cy="0"/>
+          <a:chOff x="0" y="0"/>
+          <a:chExt cx="0" cy="0"/>
+        </a:xfrm>
+      </p:grpSpPr>
+      <p:sp>
+        <p:nvSpPr>
+          <p:cNvPr id="2" name="Title 1"/>
+          <p:cNvSpPr>
+            <a:spLocks noGrp="1"/>
+          </p:cNvSpPr>
+          <p:nvPr>
+            <p:ph type="title"/>
+          </p:nvPr>
+        </p:nvSpPr>
+        <p:spPr>
+          <a:xfrm>
+            <a:off x="838200" y="365126"/>
+            <a:ext cx="10515600" cy="687610"/>
+          </a:xfrm>
+        </p:spPr>
+        <p:txBody>
+          <a:bodyPr anchor="t"/>
+          <a:lstStyle/>
+          <a:p>
+            <a:pPr algn="ctr"/>
+            <a:r>
+              <a:rPr lang="en-US" dirty="0" smtClean="0"/>
+              <a:t>Agile Project Plan(3)</a:t>
+            </a:r>
+            <a:endParaRPr lang="en-IN" dirty="0"/>
+          </a:p>
+        </p:txBody>
+      </p:sp>
+      <p:graphicFrame>
+        <p:nvGraphicFramePr>
+          <p:cNvPr id="4" name="Content Placeholder 3"/>
+          <p:cNvGraphicFramePr>
+            <a:graphicFrameLocks noGrp="1"/>
+          </p:cNvGraphicFramePr>
+          <p:nvPr>
+            <p:ph idx="1"/>
+            <p:extLst>
+              <p:ext uri="{D42A27DB-BD31-4B8C-83A1-F6EECF244321}">
+                <p14:modId xmlns:p14="http://schemas.microsoft.com/office/powerpoint/2010/main" val="127167674"/>
+              </p:ext>
+            </p:extLst>
+          </p:nvPr>
+        </p:nvGraphicFramePr>
+        <p:xfrm>
+          <a:off x="407368" y="1196756"/>
+          <a:ext cx="11305257" cy="4987750"/>
+        </p:xfrm>
+        <a:graphic>
+          <a:graphicData uri="http://schemas.openxmlformats.org/drawingml/2006/table">
+            <a:tbl>
+              <a:tblPr firstRow="1" bandRow="1">
+                <a:tableStyleId>{0660B408-B3CF-4A94-85FC-2B1E0A45F4A2}</a:tableStyleId>
+              </a:tblPr>
+              <a:tblGrid>
+                <a:gridCol w="4507601"/>
+                <a:gridCol w="1680319"/>
+                <a:gridCol w="1451185"/>
+                <a:gridCol w="1756698"/>
+                <a:gridCol w="1909454"/>
+              </a:tblGrid>
+              <a:tr h="498775">
+                <a:tc>
+                  <a:txBody>
+                    <a:bodyPr/>
+                    <a:lstStyle/>
+                    <a:p>
+                      <a:pPr algn="ctr"/>
+                      <a:r>
+                        <a:rPr lang="en-US" sz="1800" dirty="0" smtClean="0"/>
+                        <a:t>    Sprint Title</a:t>
+                      </a:r>
+                      <a:endParaRPr lang="en-IN" sz="1800" dirty="0">
+                        <a:latin typeface="Arial Unicode MS" panose="020B0604020202020204" pitchFamily="34" charset="-128"/>
+                        <a:ea typeface="Arial Unicode MS" panose="020B0604020202020204" pitchFamily="34" charset="-128"/>
+                        <a:cs typeface="Arial Unicode MS" panose="020B0604020202020204" pitchFamily="34" charset="-128"/>
+                      </a:endParaRPr>
+                    </a:p>
+                  </a:txBody>
+                  <a:tcPr/>
+                </a:tc>
+                <a:tc>
+                  <a:txBody>
+                    <a:bodyPr/>
+                    <a:lstStyle/>
+                    <a:p>
+                      <a:pPr algn="ctr"/>
+                      <a:r>
+                        <a:rPr lang="en-US" sz="1800" dirty="0" smtClean="0"/>
+                        <a:t>Duration</a:t>
+                      </a:r>
+                      <a:endParaRPr lang="en-IN" sz="1800" dirty="0">
+                        <a:latin typeface="Arial Unicode MS" panose="020B0604020202020204" pitchFamily="34" charset="-128"/>
+                        <a:ea typeface="Arial Unicode MS" panose="020B0604020202020204" pitchFamily="34" charset="-128"/>
+                        <a:cs typeface="Arial Unicode MS" panose="020B0604020202020204" pitchFamily="34" charset="-128"/>
+                      </a:endParaRPr>
+                    </a:p>
+                  </a:txBody>
+                  <a:tcPr/>
+                </a:tc>
+                <a:tc>
+                  <a:txBody>
+                    <a:bodyPr/>
+                    <a:lstStyle/>
+                    <a:p>
+                      <a:pPr algn="ctr"/>
+                      <a:r>
+                        <a:rPr lang="en-US" sz="1800" dirty="0" smtClean="0"/>
+                        <a:t> Start</a:t>
+                      </a:r>
+                      <a:endParaRPr lang="en-IN" sz="1800" dirty="0">
+                        <a:latin typeface="Arial Unicode MS" panose="020B0604020202020204" pitchFamily="34" charset="-128"/>
+                        <a:ea typeface="Arial Unicode MS" panose="020B0604020202020204" pitchFamily="34" charset="-128"/>
+                        <a:cs typeface="Arial Unicode MS" panose="020B0604020202020204" pitchFamily="34" charset="-128"/>
+                      </a:endParaRPr>
+                    </a:p>
+                  </a:txBody>
+                  <a:tcPr/>
+                </a:tc>
+                <a:tc>
+                  <a:txBody>
+                    <a:bodyPr/>
+                    <a:lstStyle/>
+                    <a:p>
+                      <a:pPr algn="ctr"/>
+                      <a:r>
+                        <a:rPr lang="en-US" sz="1800" dirty="0" smtClean="0"/>
+                        <a:t> End</a:t>
+                      </a:r>
+                      <a:endParaRPr lang="en-IN" sz="1800" dirty="0">
+                        <a:latin typeface="Arial Unicode MS" panose="020B0604020202020204" pitchFamily="34" charset="-128"/>
+                        <a:ea typeface="Arial Unicode MS" panose="020B0604020202020204" pitchFamily="34" charset="-128"/>
+                        <a:cs typeface="Arial Unicode MS" panose="020B0604020202020204" pitchFamily="34" charset="-128"/>
+                      </a:endParaRPr>
+                    </a:p>
+                  </a:txBody>
+                  <a:tcPr/>
+                </a:tc>
+                <a:tc>
+                  <a:txBody>
+                    <a:bodyPr/>
+                    <a:lstStyle/>
+                    <a:p>
+                      <a:pPr algn="ctr"/>
+                      <a:r>
+                        <a:rPr lang="en-US" sz="1800" dirty="0" smtClean="0"/>
+                        <a:t> Status</a:t>
+                      </a:r>
+                      <a:endParaRPr lang="en-IN" sz="1800" dirty="0">
+                        <a:latin typeface="Arial Unicode MS" panose="020B0604020202020204" pitchFamily="34" charset="-128"/>
+                        <a:ea typeface="Arial Unicode MS" panose="020B0604020202020204" pitchFamily="34" charset="-128"/>
+                        <a:cs typeface="Arial Unicode MS" panose="020B0604020202020204" pitchFamily="34" charset="-128"/>
+                      </a:endParaRPr>
+                    </a:p>
+                  </a:txBody>
+                  <a:tcPr/>
+                </a:tc>
+              </a:tr>
+              <a:tr h="498775">
+                <a:tc>
+                  <a:txBody>
+                    <a:bodyPr/>
+                    <a:lstStyle/>
+                    <a:p>
+                      <a:r>
+                        <a:rPr lang="en-US" sz="1800" dirty="0" smtClean="0"/>
+                        <a:t>Sprint#9</a:t>
+                      </a:r>
+                      <a:r>
+                        <a:rPr lang="en-US" sz="1800" baseline="0" dirty="0" smtClean="0"/>
+                        <a:t> Manage Loans</a:t>
+                      </a:r>
+                      <a:endParaRPr lang="en-IN" sz="1800" dirty="0"/>
+                    </a:p>
+                  </a:txBody>
+                  <a:tcPr/>
+                </a:tc>
+                <a:tc>
+                  <a:txBody>
+                    <a:bodyPr/>
+                    <a:lstStyle/>
+                    <a:p>
+                      <a:r>
+                        <a:rPr lang="en-US" sz="1800" dirty="0" smtClean="0"/>
+                        <a:t>         4d</a:t>
+                      </a:r>
+                      <a:endParaRPr lang="en-IN" sz="1800" dirty="0"/>
+                    </a:p>
+                  </a:txBody>
+                  <a:tcPr/>
+                </a:tc>
+                <a:tc>
+                  <a:txBody>
+                    <a:bodyPr/>
+                    <a:lstStyle/>
+                    <a:p>
+                      <a:r>
+                        <a:rPr lang="en-US" sz="1800" dirty="0" smtClean="0"/>
+                        <a:t>19/03/2021</a:t>
+                      </a:r>
+                      <a:endParaRPr lang="en-IN" sz="1800" dirty="0"/>
+                    </a:p>
+                  </a:txBody>
+                  <a:tcPr/>
+                </a:tc>
+                <a:tc>
+                  <a:txBody>
+                    <a:bodyPr/>
+                    <a:lstStyle/>
+                    <a:p>
+                      <a:r>
+                        <a:rPr lang="en-US" sz="1800" dirty="0" smtClean="0"/>
+                        <a:t>22/03/2021</a:t>
+                      </a:r>
+                      <a:endParaRPr lang="en-IN" sz="1800" dirty="0"/>
+                    </a:p>
+                  </a:txBody>
+                  <a:tcPr/>
+                </a:tc>
+                <a:tc>
+                  <a:txBody>
+                    <a:bodyPr/>
+                    <a:lstStyle/>
+                    <a:p>
+                      <a:r>
+                        <a:rPr lang="en-US" sz="1800" dirty="0" smtClean="0"/>
+                        <a:t> Complete</a:t>
+                      </a:r>
+                      <a:endParaRPr lang="en-IN" sz="1800" dirty="0"/>
+                    </a:p>
+                  </a:txBody>
+                  <a:tcPr/>
+                </a:tc>
+              </a:tr>
+              <a:tr h="498775">
+                <a:tc>
+                  <a:txBody>
+                    <a:bodyPr/>
+                    <a:lstStyle/>
+                    <a:p>
+                      <a:r>
+                        <a:rPr lang="en-US" sz="1800" dirty="0" smtClean="0"/>
+                        <a:t>       Add Loans</a:t>
+                      </a:r>
+                      <a:endParaRPr lang="en-IN" sz="1800" dirty="0"/>
+                    </a:p>
+                  </a:txBody>
+                  <a:tcPr/>
+                </a:tc>
+                <a:tc>
+                  <a:txBody>
+                    <a:bodyPr/>
+                    <a:lstStyle/>
+                    <a:p>
+                      <a:r>
+                        <a:rPr lang="en-US" sz="1800" dirty="0" smtClean="0"/>
+                        <a:t>         1d</a:t>
+                      </a:r>
+                      <a:endParaRPr lang="en-IN" sz="1800" dirty="0"/>
+                    </a:p>
+                  </a:txBody>
+                  <a:tcPr/>
+                </a:tc>
+                <a:tc>
+                  <a:txBody>
+                    <a:bodyPr/>
+                    <a:lstStyle/>
+                    <a:p>
+                      <a:r>
+                        <a:rPr lang="en-US" sz="1800" dirty="0" smtClean="0"/>
+                        <a:t>19/03/2021</a:t>
+                      </a:r>
+                      <a:endParaRPr lang="en-IN" sz="1800" dirty="0"/>
+                    </a:p>
+                  </a:txBody>
+                  <a:tcPr/>
+                </a:tc>
+                <a:tc>
+                  <a:txBody>
+                    <a:bodyPr/>
+                    <a:lstStyle/>
+                    <a:p>
+                      <a:r>
+                        <a:rPr lang="en-US" sz="1800" dirty="0" smtClean="0"/>
+                        <a:t>19/03/2021</a:t>
+                      </a:r>
+                      <a:endParaRPr lang="en-IN" sz="1800" dirty="0"/>
+                    </a:p>
+                  </a:txBody>
+                  <a:tcPr/>
+                </a:tc>
+                <a:tc>
+                  <a:txBody>
+                    <a:bodyPr/>
+                    <a:lstStyle/>
+                    <a:p>
+                      <a:r>
+                        <a:rPr lang="en-US" sz="1800" dirty="0" smtClean="0"/>
+                        <a:t>Complete</a:t>
+                      </a:r>
+                      <a:endParaRPr lang="en-IN" sz="1800" dirty="0"/>
+                    </a:p>
+                  </a:txBody>
+                  <a:tcPr/>
+                </a:tc>
+              </a:tr>
+              <a:tr h="498775">
+                <a:tc>
+                  <a:txBody>
+                    <a:bodyPr/>
+                    <a:lstStyle/>
+                    <a:p>
+                      <a:r>
+                        <a:rPr lang="en-US" sz="1800" dirty="0" smtClean="0"/>
+                        <a:t>       View Loans</a:t>
+                      </a:r>
+                      <a:endParaRPr lang="en-IN" sz="1800" dirty="0"/>
+                    </a:p>
+                  </a:txBody>
+                  <a:tcPr/>
+                </a:tc>
+                <a:tc>
+                  <a:txBody>
+                    <a:bodyPr/>
+                    <a:lstStyle/>
+                    <a:p>
+                      <a:r>
+                        <a:rPr lang="en-US" sz="1800" dirty="0" smtClean="0"/>
+                        <a:t>         2d</a:t>
+                      </a:r>
+                      <a:endParaRPr lang="en-IN" sz="1800" dirty="0"/>
+                    </a:p>
+                  </a:txBody>
+                  <a:tcPr/>
+                </a:tc>
+                <a:tc>
+                  <a:txBody>
+                    <a:bodyPr/>
+                    <a:lstStyle/>
+                    <a:p>
+                      <a:r>
+                        <a:rPr lang="en-US" sz="1800" dirty="0" smtClean="0"/>
+                        <a:t>20/03/2021</a:t>
+                      </a:r>
+                      <a:endParaRPr lang="en-IN" sz="1800" dirty="0"/>
+                    </a:p>
+                  </a:txBody>
+                  <a:tcPr/>
+                </a:tc>
+                <a:tc>
+                  <a:txBody>
+                    <a:bodyPr/>
+                    <a:lstStyle/>
+                    <a:p>
+                      <a:r>
+                        <a:rPr lang="en-US" sz="1800" dirty="0" smtClean="0"/>
+                        <a:t>21/03/2021</a:t>
+                      </a:r>
+                      <a:endParaRPr lang="en-IN" sz="1800" dirty="0"/>
+                    </a:p>
+                  </a:txBody>
+                  <a:tcPr/>
+                </a:tc>
+                <a:tc>
+                  <a:txBody>
+                    <a:bodyPr/>
+                    <a:lstStyle/>
+                    <a:p>
+                      <a:r>
+                        <a:rPr lang="en-US" sz="1800" dirty="0" smtClean="0"/>
+                        <a:t>Complete</a:t>
+                      </a:r>
+                      <a:endParaRPr lang="en-IN" sz="1800" dirty="0"/>
+                    </a:p>
+                  </a:txBody>
+                  <a:tcPr/>
+                </a:tc>
+              </a:tr>
+              <a:tr h="498775">
+                <a:tc>
+                  <a:txBody>
+                    <a:bodyPr/>
+                    <a:lstStyle/>
+                    <a:p>
+                      <a:r>
+                        <a:rPr lang="en-US" sz="1800" dirty="0" smtClean="0"/>
+                        <a:t>        Update/Delete</a:t>
+                      </a:r>
+                      <a:r>
+                        <a:rPr lang="en-US" sz="1800" baseline="0" dirty="0" smtClean="0"/>
+                        <a:t> Loans</a:t>
+                      </a:r>
+                      <a:endParaRPr lang="en-IN" sz="1800" dirty="0"/>
+                    </a:p>
+                  </a:txBody>
+                  <a:tcPr/>
+                </a:tc>
+                <a:tc>
+                  <a:txBody>
+                    <a:bodyPr/>
+                    <a:lstStyle/>
+                    <a:p>
+                      <a:r>
+                        <a:rPr lang="en-US" sz="1800" dirty="0" smtClean="0"/>
+                        <a:t>         1d</a:t>
+                      </a:r>
+                      <a:endParaRPr lang="en-IN" sz="1800" dirty="0"/>
+                    </a:p>
+                  </a:txBody>
+                  <a:tcPr/>
+                </a:tc>
+                <a:tc>
+                  <a:txBody>
+                    <a:bodyPr/>
+                    <a:lstStyle/>
+                    <a:p>
+                      <a:r>
+                        <a:rPr lang="en-US" sz="1800" dirty="0" smtClean="0"/>
+                        <a:t>22/03/2021</a:t>
+                      </a:r>
+                      <a:endParaRPr lang="en-IN" sz="1800" dirty="0"/>
+                    </a:p>
+                  </a:txBody>
+                  <a:tcPr/>
+                </a:tc>
+                <a:tc>
+                  <a:txBody>
+                    <a:bodyPr/>
+                    <a:lstStyle/>
+                    <a:p>
+                      <a:r>
+                        <a:rPr lang="en-US" sz="1800" dirty="0" smtClean="0"/>
+                        <a:t>22/03/2021</a:t>
+                      </a:r>
+                      <a:endParaRPr lang="en-IN" sz="1800" dirty="0"/>
+                    </a:p>
+                  </a:txBody>
+                  <a:tcPr/>
+                </a:tc>
+                <a:tc>
+                  <a:txBody>
+                    <a:bodyPr/>
+                    <a:lstStyle/>
+                    <a:p>
+                      <a:r>
+                        <a:rPr lang="en-US" sz="1800" dirty="0" smtClean="0"/>
+                        <a:t>Complete</a:t>
+                      </a:r>
+                      <a:endParaRPr lang="en-IN" sz="1800" dirty="0"/>
+                    </a:p>
+                  </a:txBody>
+                  <a:tcPr/>
+                </a:tc>
+              </a:tr>
+              <a:tr h="498775">
+                <a:tc>
+                  <a:txBody>
+                    <a:bodyPr/>
+                    <a:lstStyle/>
+                    <a:p>
+                      <a:r>
+                        <a:rPr lang="en-US" sz="1800" dirty="0" smtClean="0"/>
+                        <a:t>Sprint#10 Acquire Property</a:t>
+                      </a:r>
+                      <a:endParaRPr lang="en-IN" sz="1800" dirty="0"/>
+                    </a:p>
+                  </a:txBody>
+                  <a:tcPr/>
+                </a:tc>
+                <a:tc>
+                  <a:txBody>
+                    <a:bodyPr/>
+                    <a:lstStyle/>
+                    <a:p>
+                      <a:r>
+                        <a:rPr lang="en-US" sz="1800" dirty="0" smtClean="0"/>
+                        <a:t>         3d</a:t>
+                      </a:r>
+                      <a:endParaRPr lang="en-IN" sz="1800" dirty="0"/>
+                    </a:p>
+                  </a:txBody>
+                  <a:tcPr/>
+                </a:tc>
+                <a:tc>
+                  <a:txBody>
+                    <a:bodyPr/>
+                    <a:lstStyle/>
+                    <a:p>
+                      <a:r>
+                        <a:rPr lang="en-US" sz="1800" dirty="0" smtClean="0"/>
+                        <a:t>23/03/2021</a:t>
+                      </a:r>
+                      <a:endParaRPr lang="en-IN" sz="1800" dirty="0"/>
+                    </a:p>
+                  </a:txBody>
+                  <a:tcPr/>
+                </a:tc>
+                <a:tc>
+                  <a:txBody>
+                    <a:bodyPr/>
+                    <a:lstStyle/>
+                    <a:p>
+                      <a:r>
+                        <a:rPr lang="en-US" sz="1800" dirty="0" smtClean="0"/>
+                        <a:t>25/03/2021</a:t>
+                      </a:r>
+                      <a:endParaRPr lang="en-IN" sz="1800" dirty="0"/>
+                    </a:p>
+                  </a:txBody>
+                  <a:tcPr/>
+                </a:tc>
+                <a:tc>
+                  <a:txBody>
+                    <a:bodyPr/>
+                    <a:lstStyle/>
+                    <a:p>
+                      <a:r>
+                        <a:rPr lang="en-US" sz="1800" dirty="0" smtClean="0"/>
+                        <a:t>Complete</a:t>
+                      </a:r>
+                      <a:endParaRPr lang="en-IN" sz="1800" dirty="0"/>
+                    </a:p>
+                  </a:txBody>
+                  <a:tcPr/>
+                </a:tc>
+              </a:tr>
+              <a:tr h="498775">
+                <a:tc>
+                  <a:txBody>
+                    <a:bodyPr/>
+                    <a:lstStyle/>
+                    <a:p>
+                      <a:r>
+                        <a:rPr lang="en-US" sz="1800" dirty="0" smtClean="0"/>
+                        <a:t>          Rent/Buy</a:t>
+                      </a:r>
+                      <a:r>
+                        <a:rPr lang="en-US" sz="1800" baseline="0" dirty="0" smtClean="0"/>
+                        <a:t> Property</a:t>
+                      </a:r>
+                      <a:endParaRPr lang="en-IN" sz="1800" dirty="0"/>
+                    </a:p>
+                  </a:txBody>
+                  <a:tcPr/>
+                </a:tc>
+                <a:tc>
+                  <a:txBody>
+                    <a:bodyPr/>
+                    <a:lstStyle/>
+                    <a:p>
+                      <a:r>
+                        <a:rPr lang="en-US" sz="1800" dirty="0" smtClean="0"/>
+                        <a:t>         1d</a:t>
+                      </a:r>
+                      <a:endParaRPr lang="en-IN" sz="1800" dirty="0"/>
+                    </a:p>
+                  </a:txBody>
+                  <a:tcPr/>
+                </a:tc>
+                <a:tc>
+                  <a:txBody>
+                    <a:bodyPr/>
+                    <a:lstStyle/>
+                    <a:p>
+                      <a:r>
+                        <a:rPr lang="en-US" sz="1800" dirty="0" smtClean="0"/>
+                        <a:t>23/03/2021</a:t>
+                      </a:r>
+                      <a:endParaRPr lang="en-IN" sz="1800" dirty="0"/>
+                    </a:p>
+                  </a:txBody>
+                  <a:tcPr/>
+                </a:tc>
+                <a:tc>
+                  <a:txBody>
+                    <a:bodyPr/>
+                    <a:lstStyle/>
+                    <a:p>
+                      <a:r>
+                        <a:rPr lang="en-US" sz="1800" dirty="0" smtClean="0"/>
+                        <a:t>23/03/2021</a:t>
+                      </a:r>
+                      <a:endParaRPr lang="en-IN" sz="1800" dirty="0"/>
+                    </a:p>
+                  </a:txBody>
+                  <a:tcPr/>
+                </a:tc>
+                <a:tc>
+                  <a:txBody>
+                    <a:bodyPr/>
+                    <a:lstStyle/>
+                    <a:p>
+                      <a:r>
+                        <a:rPr lang="en-US" sz="1800" dirty="0" smtClean="0"/>
+                        <a:t>Complete</a:t>
+                      </a:r>
+                      <a:endParaRPr lang="en-IN" sz="1800" dirty="0"/>
+                    </a:p>
+                  </a:txBody>
+                  <a:tcPr/>
+                </a:tc>
+              </a:tr>
+              <a:tr h="498775">
+                <a:tc>
+                  <a:txBody>
+                    <a:bodyPr/>
+                    <a:lstStyle/>
+                    <a:p>
+                      <a:r>
+                        <a:rPr lang="en-US" sz="1800" dirty="0" smtClean="0"/>
+                        <a:t>          Apply Loan</a:t>
+                      </a:r>
+                      <a:r>
+                        <a:rPr lang="en-US" sz="1800" baseline="0" dirty="0" smtClean="0"/>
+                        <a:t> for Property</a:t>
+                      </a:r>
+                      <a:endParaRPr lang="en-IN" sz="1800" dirty="0"/>
+                    </a:p>
+                  </a:txBody>
+                  <a:tcPr/>
+                </a:tc>
+                <a:tc>
+                  <a:txBody>
+                    <a:bodyPr/>
+                    <a:lstStyle/>
+                    <a:p>
+                      <a:r>
+                        <a:rPr lang="en-US" sz="1800" dirty="0" smtClean="0"/>
+                        <a:t>         2d</a:t>
+                      </a:r>
+                      <a:endParaRPr lang="en-IN" sz="1800" dirty="0"/>
+                    </a:p>
+                  </a:txBody>
+                  <a:tcPr/>
+                </a:tc>
+                <a:tc>
+                  <a:txBody>
+                    <a:bodyPr/>
+                    <a:lstStyle/>
+                    <a:p>
+                      <a:r>
+                        <a:rPr lang="en-US" sz="1800" dirty="0" smtClean="0"/>
+                        <a:t>24/03/2021</a:t>
+                      </a:r>
+                      <a:endParaRPr lang="en-IN" sz="1800" dirty="0"/>
+                    </a:p>
+                  </a:txBody>
+                  <a:tcPr/>
+                </a:tc>
+                <a:tc>
+                  <a:txBody>
+                    <a:bodyPr/>
+                    <a:lstStyle/>
+                    <a:p>
+                      <a:r>
+                        <a:rPr lang="en-US" sz="1800" dirty="0" smtClean="0"/>
+                        <a:t>25/03/2021</a:t>
+                      </a:r>
+                      <a:endParaRPr lang="en-IN" sz="1800" dirty="0"/>
+                    </a:p>
+                  </a:txBody>
+                  <a:tcPr/>
+                </a:tc>
+                <a:tc>
+                  <a:txBody>
+                    <a:bodyPr/>
+                    <a:lstStyle/>
+                    <a:p>
+                      <a:r>
+                        <a:rPr lang="en-US" sz="1800" dirty="0" smtClean="0"/>
+                        <a:t>Complete</a:t>
+                      </a:r>
+                      <a:endParaRPr lang="en-IN" sz="1800" dirty="0"/>
+                    </a:p>
+                  </a:txBody>
+                  <a:tcPr/>
+                </a:tc>
+              </a:tr>
+              <a:tr h="498775">
+                <a:tc>
+                  <a:txBody>
+                    <a:bodyPr/>
+                    <a:lstStyle/>
+                    <a:p>
+                      <a:r>
+                        <a:rPr lang="en-US" sz="1800" dirty="0" smtClean="0"/>
+                        <a:t>Sprint#11 Manage Users(Admin)</a:t>
+                      </a:r>
+                      <a:endParaRPr lang="en-IN" sz="1800" dirty="0"/>
+                    </a:p>
+                  </a:txBody>
+                  <a:tcPr/>
+                </a:tc>
+                <a:tc>
+                  <a:txBody>
+                    <a:bodyPr/>
+                    <a:lstStyle/>
+                    <a:p>
+                      <a:r>
+                        <a:rPr lang="en-US" sz="1800" dirty="0" smtClean="0"/>
+                        <a:t>         3d</a:t>
+                      </a:r>
+                      <a:endParaRPr lang="en-IN" sz="1800" dirty="0"/>
+                    </a:p>
+                  </a:txBody>
+                  <a:tcPr/>
+                </a:tc>
+                <a:tc>
+                  <a:txBody>
+                    <a:bodyPr/>
+                    <a:lstStyle/>
+                    <a:p>
+                      <a:r>
+                        <a:rPr lang="en-US" sz="1800" dirty="0" smtClean="0"/>
+                        <a:t>26/03/2021</a:t>
+                      </a:r>
+                      <a:endParaRPr lang="en-IN" sz="1800" dirty="0"/>
+                    </a:p>
+                  </a:txBody>
+                  <a:tcPr/>
+                </a:tc>
+                <a:tc>
+                  <a:txBody>
+                    <a:bodyPr/>
+                    <a:lstStyle/>
+                    <a:p>
+                      <a:r>
+                        <a:rPr lang="en-US" sz="1800" dirty="0" smtClean="0"/>
+                        <a:t>28/03/2021</a:t>
+                      </a:r>
+                      <a:endParaRPr lang="en-IN" sz="1800" dirty="0"/>
+                    </a:p>
+                  </a:txBody>
+                  <a:tcPr/>
+                </a:tc>
+                <a:tc>
+                  <a:txBody>
+                    <a:bodyPr/>
+                    <a:lstStyle/>
+                    <a:p>
+                      <a:r>
+                        <a:rPr lang="en-US" sz="1800" dirty="0" smtClean="0"/>
+                        <a:t>Complete</a:t>
+                      </a:r>
+                      <a:endParaRPr lang="en-IN" sz="1800" dirty="0"/>
+                    </a:p>
+                  </a:txBody>
+                  <a:tcPr/>
+                </a:tc>
+              </a:tr>
+              <a:tr h="498775">
+                <a:tc>
+                  <a:txBody>
+                    <a:bodyPr/>
+                    <a:lstStyle/>
+                    <a:p>
+                      <a:r>
+                        <a:rPr lang="en-US" sz="1800" dirty="0" smtClean="0"/>
+                        <a:t>Sprint#12 </a:t>
+                      </a:r>
+                      <a:r>
+                        <a:rPr lang="en-US" sz="1800" baseline="0" dirty="0" smtClean="0"/>
+                        <a:t> </a:t>
+                      </a:r>
+                      <a:r>
+                        <a:rPr lang="en-US" sz="1800" dirty="0" smtClean="0"/>
+                        <a:t>Manage Feedback(Admin)</a:t>
+                      </a:r>
+                      <a:endParaRPr lang="en-IN" sz="1800" dirty="0"/>
+                    </a:p>
+                  </a:txBody>
+                  <a:tcPr/>
+                </a:tc>
+                <a:tc>
+                  <a:txBody>
+                    <a:bodyPr/>
+                    <a:lstStyle/>
+                    <a:p>
+                      <a:r>
+                        <a:rPr lang="en-US" sz="1800" dirty="0" smtClean="0"/>
+                        <a:t>         3d</a:t>
+                      </a:r>
+                      <a:endParaRPr lang="en-IN" sz="1800" dirty="0"/>
+                    </a:p>
+                  </a:txBody>
+                  <a:tcPr/>
+                </a:tc>
+                <a:tc>
+                  <a:txBody>
+                    <a:bodyPr/>
+                    <a:lstStyle/>
+                    <a:p>
+                      <a:r>
+                        <a:rPr lang="en-US" sz="1800" dirty="0" smtClean="0"/>
+                        <a:t>29/03/2021</a:t>
+                      </a:r>
+                      <a:endParaRPr lang="en-IN" sz="1800" dirty="0"/>
+                    </a:p>
+                  </a:txBody>
+                  <a:tcPr/>
+                </a:tc>
+                <a:tc>
+                  <a:txBody>
+                    <a:bodyPr/>
+                    <a:lstStyle/>
+                    <a:p>
+                      <a:r>
+                        <a:rPr lang="en-US" sz="1800" dirty="0" smtClean="0"/>
+                        <a:t>31/03/2021</a:t>
+                      </a:r>
+                      <a:endParaRPr lang="en-IN" sz="1800" dirty="0"/>
+                    </a:p>
+                  </a:txBody>
+                  <a:tcPr/>
+                </a:tc>
+                <a:tc>
+                  <a:txBody>
+                    <a:bodyPr/>
+                    <a:lstStyle/>
+                    <a:p>
+                      <a:r>
+                        <a:rPr lang="en-US" sz="1800" dirty="0" smtClean="0"/>
+                        <a:t>Complete</a:t>
+                      </a:r>
+                      <a:endParaRPr lang="en-IN" sz="1800" dirty="0"/>
+                    </a:p>
+                  </a:txBody>
+                  <a:tcPr/>
+                </a:tc>
+              </a:tr>
+            </a:tbl>
+          </a:graphicData>
+        </a:graphic>
+      </p:graphicFrame>
+    </p:spTree>
+    <p:extLst>
+      <p:ext uri="{BB962C8B-B14F-4D97-AF65-F5344CB8AC3E}">
+        <p14:creationId xmlns:p14="http://schemas.microsoft.com/office/powerpoint/2010/main" val="4280837109"/>
+      </p:ext>
+    </p:extLst>
+  </p:cSld>
+  <p:clrMapOvr>
+    <a:masterClrMapping/>
+  </p:clrMapOvr>
+  <mc:AlternateContent xmlns:mc="http://schemas.openxmlformats.org/markup-compatibility/2006">
+    <mc:Choice xmlns:p14="http://schemas.microsoft.com/office/powerpoint/2010/main" Requires="p14">
+      <p:transition spd="med" p14:dur="700">
+        <p:fade/>
+      </p:transition>
+    </mc:Choice>
+    <mc:Fallback>
+      <p:transition spd="med">
+        <p:fade/>
+      </p:transition>
+    </mc:Fallback>
+  </mc:AlternateContent>
+  <p:timing>
+    <p:tnLst>
+      <p:par>
+        <p:cTn id="1" dur="indefinite" restart="never" nodeType="tmRoot"/>
+      </p:par>
+    </p:tnLst>
+  </p:timing>
 </p:sld>
 </file>
 
@@ -10493,6 +13851,13 @@
       </p:transition>
     </mc:Fallback>
   </mc:AlternateContent>
+  <p:timing>
+    <p:tnLst>
+      <p:par>
+        <p:cTn id="1" dur="indefinite" restart="never" nodeType="tmRoot"/>
+      </p:par>
+    </p:tnLst>
+  </p:timing>
 </p:sld>
 </file>
 
@@ -10659,6 +14024,13 @@
       </p:transition>
     </mc:Fallback>
   </mc:AlternateContent>
+  <p:timing>
+    <p:tnLst>
+      <p:par>
+        <p:cTn id="1" dur="indefinite" restart="never" nodeType="tmRoot"/>
+      </p:par>
+    </p:tnLst>
+  </p:timing>
 </p:sld>
 </file>
 
@@ -10813,6 +14185,13 @@
       </p:transition>
     </mc:Fallback>
   </mc:AlternateContent>
+  <p:timing>
+    <p:tnLst>
+      <p:par>
+        <p:cTn id="1" dur="indefinite" restart="never" nodeType="tmRoot"/>
+      </p:par>
+    </p:tnLst>
+  </p:timing>
 </p:sld>
 </file>
 
@@ -11104,6 +14483,13 @@
       </p:transition>
     </mc:Fallback>
   </mc:AlternateContent>
+  <p:timing>
+    <p:tnLst>
+      <p:par>
+        <p:cTn id="1" dur="indefinite" restart="never" nodeType="tmRoot"/>
+      </p:par>
+    </p:tnLst>
+  </p:timing>
 </p:sld>
 </file>
 
@@ -11282,6 +14668,13 @@
       </p:transition>
     </mc:Fallback>
   </mc:AlternateContent>
+  <p:timing>
+    <p:tnLst>
+      <p:par>
+        <p:cTn id="1" dur="indefinite" restart="never" nodeType="tmRoot"/>
+      </p:par>
+    </p:tnLst>
+  </p:timing>
 </p:sld>
 </file>
 
@@ -11529,6 +14922,13 @@
       </p:transition>
     </mc:Fallback>
   </mc:AlternateContent>
+  <p:timing>
+    <p:tnLst>
+      <p:par>
+        <p:cTn id="1" dur="indefinite" restart="never" nodeType="tmRoot"/>
+      </p:par>
+    </p:tnLst>
+  </p:timing>
 </p:sld>
 </file>
 
@@ -11734,6 +15134,13 @@
       </p:transition>
     </mc:Fallback>
   </mc:AlternateContent>
+  <p:timing>
+    <p:tnLst>
+      <p:par>
+        <p:cTn id="1" dur="indefinite" restart="never" nodeType="tmRoot"/>
+      </p:par>
+    </p:tnLst>
+  </p:timing>
 </p:sld>
 </file>
 

--- a/UML/REMA.pptx
+++ b/UML/REMA.pptx
@@ -5,10 +5,10 @@
     <p:sldMasterId id="2147483648" r:id="rId1"/>
   </p:sldMasterIdLst>
   <p:notesMasterIdLst>
-    <p:notesMasterId r:id="rId29"/>
+    <p:notesMasterId r:id="rId32"/>
   </p:notesMasterIdLst>
   <p:handoutMasterIdLst>
-    <p:handoutMasterId r:id="rId30"/>
+    <p:handoutMasterId r:id="rId33"/>
   </p:handoutMasterIdLst>
   <p:sldIdLst>
     <p:sldId id="256" r:id="rId2"/>
@@ -36,8 +36,11 @@
     <p:sldId id="279" r:id="rId24"/>
     <p:sldId id="280" r:id="rId25"/>
     <p:sldId id="281" r:id="rId26"/>
-    <p:sldId id="282" r:id="rId27"/>
-    <p:sldId id="283" r:id="rId28"/>
+    <p:sldId id="284" r:id="rId27"/>
+    <p:sldId id="282" r:id="rId28"/>
+    <p:sldId id="285" r:id="rId29"/>
+    <p:sldId id="283" r:id="rId30"/>
+    <p:sldId id="286" r:id="rId31"/>
   </p:sldIdLst>
   <p:sldSz cx="12192000" cy="6858000"/>
   <p:notesSz cx="6858000" cy="9144000"/>
@@ -229,7 +232,7 @@
           <a:p>
             <a:fld id="{061C5132-FFA3-4B02-9F09-22FCF40EFA74}" type="datetimeFigureOut">
               <a:rPr lang="en-US" smtClean="0"/>
-              <a:t>4/18/2021</a:t>
+              <a:t>4/23/2021</a:t>
             </a:fld>
             <a:endParaRPr lang="en-US"/>
           </a:p>
@@ -394,7 +397,7 @@
           <a:p>
             <a:fld id="{0B6E42C9-243F-4DC5-AFF6-9D56B5FA9D63}" type="datetimeFigureOut">
               <a:rPr lang="en-US" smtClean="0"/>
-              <a:t>4/18/2021</a:t>
+              <a:t>4/23/2021</a:t>
             </a:fld>
             <a:endParaRPr lang="en-US"/>
           </a:p>
@@ -1071,7 +1074,7 @@
           <a:p>
             <a:fld id="{B0FE2824-C2A0-4931-BB32-60B24BDBB3CC}" type="datetimeFigureOut">
               <a:rPr lang="en-US" smtClean="0"/>
-              <a:t>4/18/2021</a:t>
+              <a:t>4/23/2021</a:t>
             </a:fld>
             <a:endParaRPr lang="en-US"/>
           </a:p>
@@ -1267,7 +1270,7 @@
           <a:p>
             <a:fld id="{B0FE2824-C2A0-4931-BB32-60B24BDBB3CC}" type="datetimeFigureOut">
               <a:rPr lang="en-US" smtClean="0"/>
-              <a:t>4/18/2021</a:t>
+              <a:t>4/23/2021</a:t>
             </a:fld>
             <a:endParaRPr lang="en-US"/>
           </a:p>
@@ -1449,7 +1452,7 @@
           <a:p>
             <a:fld id="{B0FE2824-C2A0-4931-BB32-60B24BDBB3CC}" type="datetimeFigureOut">
               <a:rPr lang="en-US" smtClean="0"/>
-              <a:t>4/18/2021</a:t>
+              <a:t>4/23/2021</a:t>
             </a:fld>
             <a:endParaRPr lang="en-US"/>
           </a:p>
@@ -1956,7 +1959,7 @@
           <a:p>
             <a:fld id="{B0FE2824-C2A0-4931-BB32-60B24BDBB3CC}" type="datetimeFigureOut">
               <a:rPr lang="en-US" smtClean="0"/>
-              <a:t>4/18/2021</a:t>
+              <a:t>4/23/2021</a:t>
             </a:fld>
             <a:endParaRPr lang="en-US"/>
           </a:p>
@@ -2400,7 +2403,7 @@
           <a:p>
             <a:fld id="{B0FE2824-C2A0-4931-BB32-60B24BDBB3CC}" type="datetimeFigureOut">
               <a:rPr lang="en-US" smtClean="0"/>
-              <a:t>4/18/2021</a:t>
+              <a:t>4/23/2021</a:t>
             </a:fld>
             <a:endParaRPr lang="en-US"/>
           </a:p>
@@ -2530,7 +2533,7 @@
           <a:p>
             <a:fld id="{B0FE2824-C2A0-4931-BB32-60B24BDBB3CC}" type="datetimeFigureOut">
               <a:rPr lang="en-US" smtClean="0"/>
-              <a:t>4/18/2021</a:t>
+              <a:t>4/23/2021</a:t>
             </a:fld>
             <a:endParaRPr lang="en-US"/>
           </a:p>
@@ -2637,7 +2640,7 @@
           <a:p>
             <a:fld id="{B0FE2824-C2A0-4931-BB32-60B24BDBB3CC}" type="datetimeFigureOut">
               <a:rPr lang="en-US" smtClean="0"/>
-              <a:t>4/18/2021</a:t>
+              <a:t>4/23/2021</a:t>
             </a:fld>
             <a:endParaRPr lang="en-US"/>
           </a:p>
@@ -2933,7 +2936,7 @@
           <a:p>
             <a:fld id="{B0FE2824-C2A0-4931-BB32-60B24BDBB3CC}" type="datetimeFigureOut">
               <a:rPr lang="en-US" smtClean="0"/>
-              <a:t>4/18/2021</a:t>
+              <a:t>4/23/2021</a:t>
             </a:fld>
             <a:endParaRPr lang="en-US"/>
           </a:p>
@@ -3207,7 +3210,7 @@
           <a:p>
             <a:fld id="{B0FE2824-C2A0-4931-BB32-60B24BDBB3CC}" type="datetimeFigureOut">
               <a:rPr lang="en-US" smtClean="0"/>
-              <a:t>4/18/2021</a:t>
+              <a:t>4/23/2021</a:t>
             </a:fld>
             <a:endParaRPr lang="en-US"/>
           </a:p>
@@ -3508,7 +3511,7 @@
             <a:fld id="{B0FE2824-C2A0-4931-BB32-60B24BDBB3CC}" type="datetimeFigureOut">
               <a:rPr lang="en-US" smtClean="0"/>
               <a:pPr/>
-              <a:t>4/18/2021</a:t>
+              <a:t>4/23/2021</a:t>
             </a:fld>
             <a:endParaRPr lang="en-US"/>
           </a:p>
@@ -10494,7 +10497,7 @@
             <p:ph idx="1"/>
             <p:extLst>
               <p:ext uri="{D42A27DB-BD31-4B8C-83A1-F6EECF244321}">
-                <p14:modId xmlns:p14="http://schemas.microsoft.com/office/powerpoint/2010/main" val="491749803"/>
+                <p14:modId xmlns:p14="http://schemas.microsoft.com/office/powerpoint/2010/main" val="3918391802"/>
               </p:ext>
             </p:extLst>
           </p:nvPr>
@@ -10656,7 +10659,7 @@
                     <a:p>
                       <a:r>
                         <a:rPr lang="en-US" dirty="0" smtClean="0"/>
-                        <a:t>18/02/2021</a:t>
+                        <a:t>22/02/2021</a:t>
                       </a:r>
                       <a:endParaRPr lang="en-IN" dirty="0">
                         <a:solidFill>
@@ -10696,13 +10699,13 @@
                     <a:bodyPr/>
                     <a:lstStyle/>
                     <a:p>
-                      <a:r>
-                        <a:rPr lang="en-US" dirty="0" smtClean="0"/>
-                        <a:t>   </a:t>
-                      </a:r>
+                      <a:pPr marL="0" indent="0" algn="l">
+                        <a:buFont typeface="+mj-lt"/>
+                        <a:buNone/>
+                      </a:pPr>
                       <a:r>
                         <a:rPr lang="en-US" baseline="0" dirty="0" smtClean="0"/>
-                        <a:t> Users Analysis</a:t>
+                        <a:t>    Users Analysis</a:t>
                       </a:r>
                       <a:endParaRPr lang="en-IN" dirty="0">
                         <a:solidFill>
@@ -11609,8 +11612,12 @@
                     <a:lstStyle/>
                     <a:p>
                       <a:r>
-                        <a:rPr lang="en-US" dirty="0" smtClean="0"/>
-                        <a:t>Incomplete</a:t>
+                        <a:rPr lang="en-US" dirty="0" smtClean="0">
+                          <a:solidFill>
+                            <a:schemeClr val="dk1"/>
+                          </a:solidFill>
+                        </a:rPr>
+                        <a:t> Complete</a:t>
                       </a:r>
                       <a:endParaRPr lang="en-IN" dirty="0">
                         <a:solidFill>
@@ -11638,13 +11645,13 @@
   <p:clrMapOvr>
     <a:masterClrMapping/>
   </p:clrMapOvr>
-  <mc:AlternateContent xmlns:mc="http://schemas.openxmlformats.org/markup-compatibility/2006">
-    <mc:Choice xmlns:p14="http://schemas.microsoft.com/office/powerpoint/2010/main" Requires="p14">
+  <mc:AlternateContent xmlns:mc="http://schemas.openxmlformats.org/markup-compatibility/2006" xmlns:p14="http://schemas.microsoft.com/office/powerpoint/2010/main">
+    <mc:Choice Requires="p14">
       <p:transition spd="med" p14:dur="700">
         <p:fade/>
       </p:transition>
     </mc:Choice>
-    <mc:Fallback>
+    <mc:Fallback xmlns="">
       <p:transition spd="med">
         <p:fade/>
       </p:transition>
@@ -11689,6 +11696,106 @@
         </p:nvSpPr>
         <p:spPr>
           <a:xfrm>
+            <a:off x="838200" y="332656"/>
+            <a:ext cx="10515600" cy="720080"/>
+          </a:xfrm>
+        </p:spPr>
+        <p:txBody>
+          <a:bodyPr/>
+          <a:lstStyle/>
+          <a:p>
+            <a:pPr algn="ctr"/>
+            <a:r>
+              <a:rPr lang="en-US" dirty="0" smtClean="0"/>
+              <a:t>  Agile  Plan Roadmap </a:t>
+            </a:r>
+            <a:endParaRPr lang="en-IN" dirty="0"/>
+          </a:p>
+        </p:txBody>
+      </p:sp>
+      <p:pic>
+        <p:nvPicPr>
+          <p:cNvPr id="4" name="Content Placeholder 3"/>
+          <p:cNvPicPr>
+            <a:picLocks noGrp="1" noChangeAspect="1"/>
+          </p:cNvPicPr>
+          <p:nvPr>
+            <p:ph idx="1"/>
+          </p:nvPr>
+        </p:nvPicPr>
+        <p:blipFill>
+          <a:blip r:embed="rId2">
+            <a:extLst>
+              <a:ext uri="{28A0092B-C50C-407E-A947-70E740481C1C}">
+                <a14:useLocalDpi xmlns:a14="http://schemas.microsoft.com/office/drawing/2010/main" val="0"/>
+              </a:ext>
+            </a:extLst>
+          </a:blip>
+          <a:stretch>
+            <a:fillRect/>
+          </a:stretch>
+        </p:blipFill>
+        <p:spPr>
+          <a:xfrm>
+            <a:off x="237351" y="1268760"/>
+            <a:ext cx="11475273" cy="5112568"/>
+          </a:xfrm>
+        </p:spPr>
+      </p:pic>
+    </p:spTree>
+    <p:extLst>
+      <p:ext uri="{BB962C8B-B14F-4D97-AF65-F5344CB8AC3E}">
+        <p14:creationId xmlns:p14="http://schemas.microsoft.com/office/powerpoint/2010/main" val="691928425"/>
+      </p:ext>
+    </p:extLst>
+  </p:cSld>
+  <p:clrMapOvr>
+    <a:masterClrMapping/>
+  </p:clrMapOvr>
+  <mc:AlternateContent xmlns:mc="http://schemas.openxmlformats.org/markup-compatibility/2006">
+    <mc:Choice xmlns:p14="http://schemas.microsoft.com/office/powerpoint/2010/main" Requires="p14">
+      <p:transition spd="med" p14:dur="700">
+        <p:fade/>
+      </p:transition>
+    </mc:Choice>
+    <mc:Fallback>
+      <p:transition spd="med">
+        <p:fade/>
+      </p:transition>
+    </mc:Fallback>
+  </mc:AlternateContent>
+</p:sld>
+</file>
+
+<file path=ppt/slides/slide27.xml><?xml version="1.0" encoding="utf-8"?>
+<p:sld xmlns:a="http://schemas.openxmlformats.org/drawingml/2006/main" xmlns:r="http://schemas.openxmlformats.org/officeDocument/2006/relationships" xmlns:p="http://schemas.openxmlformats.org/presentationml/2006/main">
+  <p:cSld>
+    <p:spTree>
+      <p:nvGrpSpPr>
+        <p:cNvPr id="1" name=""/>
+        <p:cNvGrpSpPr/>
+        <p:nvPr/>
+      </p:nvGrpSpPr>
+      <p:grpSpPr>
+        <a:xfrm>
+          <a:off x="0" y="0"/>
+          <a:ext cx="0" cy="0"/>
+          <a:chOff x="0" y="0"/>
+          <a:chExt cx="0" cy="0"/>
+        </a:xfrm>
+      </p:grpSpPr>
+      <p:sp>
+        <p:nvSpPr>
+          <p:cNvPr id="2" name="Title 1"/>
+          <p:cNvSpPr>
+            <a:spLocks noGrp="1"/>
+          </p:cNvSpPr>
+          <p:nvPr>
+            <p:ph type="title"/>
+          </p:nvPr>
+        </p:nvSpPr>
+        <p:spPr>
+          <a:xfrm>
             <a:off x="838200" y="365126"/>
             <a:ext cx="10515600" cy="831626"/>
           </a:xfrm>
@@ -11870,11 +11977,7 @@
                       <a:pPr algn="ctr"/>
                       <a:r>
                         <a:rPr lang="en-US" sz="1700" dirty="0" smtClean="0"/>
-                        <a:t>   </a:t>
-                      </a:r>
-                      <a:r>
-                        <a:rPr lang="en-US" sz="1700" dirty="0" smtClean="0"/>
-                        <a:t>2d</a:t>
+                        <a:t>   2d</a:t>
                       </a:r>
                       <a:endParaRPr lang="en-IN" sz="1700" dirty="0">
                         <a:solidFill>
@@ -12001,11 +12104,7 @@
                       <a:pPr algn="ctr"/>
                       <a:r>
                         <a:rPr lang="en-US" sz="1700" dirty="0" smtClean="0"/>
-                        <a:t>   </a:t>
-                      </a:r>
-                      <a:r>
-                        <a:rPr lang="en-US" sz="1700" dirty="0" smtClean="0"/>
-                        <a:t>3d</a:t>
+                        <a:t>   3d</a:t>
                       </a:r>
                       <a:endParaRPr lang="en-IN" sz="1700" dirty="0">
                         <a:solidFill>
@@ -12077,11 +12176,7 @@
                       <a:pPr algn="ctr"/>
                       <a:r>
                         <a:rPr lang="en-US" sz="1700" dirty="0" smtClean="0"/>
-                        <a:t> </a:t>
-                      </a:r>
-                      <a:r>
-                        <a:rPr lang="en-US" sz="1700" dirty="0" smtClean="0"/>
-                        <a:t>Complete</a:t>
+                        <a:t> Complete</a:t>
                       </a:r>
                       <a:endParaRPr lang="en-IN" sz="1700" dirty="0">
                         <a:solidFill>
@@ -12377,11 +12472,7 @@
                       <a:pPr algn="ctr"/>
                       <a:r>
                         <a:rPr lang="en-US" sz="1700" dirty="0" smtClean="0"/>
-                        <a:t>  </a:t>
-                      </a:r>
-                      <a:r>
-                        <a:rPr lang="en-US" sz="1700" dirty="0" smtClean="0"/>
-                        <a:t> 5d</a:t>
+                        <a:t>   5d</a:t>
                       </a:r>
                       <a:endParaRPr lang="en-IN" sz="1700" dirty="0">
                         <a:solidFill>
@@ -12769,13 +12860,13 @@
   <p:clrMapOvr>
     <a:masterClrMapping/>
   </p:clrMapOvr>
-  <mc:AlternateContent xmlns:mc="http://schemas.openxmlformats.org/markup-compatibility/2006">
-    <mc:Choice xmlns:p14="http://schemas.microsoft.com/office/powerpoint/2010/main" Requires="p14">
+  <mc:AlternateContent xmlns:mc="http://schemas.openxmlformats.org/markup-compatibility/2006" xmlns:p14="http://schemas.microsoft.com/office/powerpoint/2010/main">
+    <mc:Choice Requires="p14">
       <p:transition spd="med" p14:dur="700">
         <p:fade/>
       </p:transition>
     </mc:Choice>
-    <mc:Fallback>
+    <mc:Fallback xmlns="">
       <p:transition spd="med">
         <p:fade/>
       </p:transition>
@@ -12791,7 +12882,7 @@
 </p:sld>
 </file>
 
-<file path=ppt/slides/slide27.xml><?xml version="1.0" encoding="utf-8"?>
+<file path=ppt/slides/slide28.xml><?xml version="1.0" encoding="utf-8"?>
 <p:sld xmlns:a="http://schemas.openxmlformats.org/drawingml/2006/main" xmlns:r="http://schemas.openxmlformats.org/officeDocument/2006/relationships" xmlns:p="http://schemas.openxmlformats.org/presentationml/2006/main">
   <p:cSld>
     <p:spTree>
@@ -12831,6 +12922,106 @@
             <a:pPr algn="ctr"/>
             <a:r>
               <a:rPr lang="en-US" dirty="0" smtClean="0"/>
+              <a:t>Agile Roadmap (2)</a:t>
+            </a:r>
+            <a:endParaRPr lang="en-IN" dirty="0"/>
+          </a:p>
+        </p:txBody>
+      </p:sp>
+      <p:pic>
+        <p:nvPicPr>
+          <p:cNvPr id="4" name="Content Placeholder 3"/>
+          <p:cNvPicPr>
+            <a:picLocks noGrp="1" noChangeAspect="1"/>
+          </p:cNvPicPr>
+          <p:nvPr>
+            <p:ph idx="1"/>
+          </p:nvPr>
+        </p:nvPicPr>
+        <p:blipFill>
+          <a:blip r:embed="rId2">
+            <a:extLst>
+              <a:ext uri="{28A0092B-C50C-407E-A947-70E740481C1C}">
+                <a14:useLocalDpi xmlns:a14="http://schemas.microsoft.com/office/drawing/2010/main" val="0"/>
+              </a:ext>
+            </a:extLst>
+          </a:blip>
+          <a:stretch>
+            <a:fillRect/>
+          </a:stretch>
+        </p:blipFill>
+        <p:spPr>
+          <a:xfrm>
+            <a:off x="509995" y="1052736"/>
+            <a:ext cx="11346645" cy="5112568"/>
+          </a:xfrm>
+        </p:spPr>
+      </p:pic>
+    </p:spTree>
+    <p:extLst>
+      <p:ext uri="{BB962C8B-B14F-4D97-AF65-F5344CB8AC3E}">
+        <p14:creationId xmlns:p14="http://schemas.microsoft.com/office/powerpoint/2010/main" val="2698409688"/>
+      </p:ext>
+    </p:extLst>
+  </p:cSld>
+  <p:clrMapOvr>
+    <a:masterClrMapping/>
+  </p:clrMapOvr>
+  <mc:AlternateContent xmlns:mc="http://schemas.openxmlformats.org/markup-compatibility/2006">
+    <mc:Choice xmlns:p14="http://schemas.microsoft.com/office/powerpoint/2010/main" Requires="p14">
+      <p:transition spd="med" p14:dur="700">
+        <p:fade/>
+      </p:transition>
+    </mc:Choice>
+    <mc:Fallback>
+      <p:transition spd="med">
+        <p:fade/>
+      </p:transition>
+    </mc:Fallback>
+  </mc:AlternateContent>
+</p:sld>
+</file>
+
+<file path=ppt/slides/slide29.xml><?xml version="1.0" encoding="utf-8"?>
+<p:sld xmlns:a="http://schemas.openxmlformats.org/drawingml/2006/main" xmlns:r="http://schemas.openxmlformats.org/officeDocument/2006/relationships" xmlns:p="http://schemas.openxmlformats.org/presentationml/2006/main">
+  <p:cSld>
+    <p:spTree>
+      <p:nvGrpSpPr>
+        <p:cNvPr id="1" name=""/>
+        <p:cNvGrpSpPr/>
+        <p:nvPr/>
+      </p:nvGrpSpPr>
+      <p:grpSpPr>
+        <a:xfrm>
+          <a:off x="0" y="0"/>
+          <a:ext cx="0" cy="0"/>
+          <a:chOff x="0" y="0"/>
+          <a:chExt cx="0" cy="0"/>
+        </a:xfrm>
+      </p:grpSpPr>
+      <p:sp>
+        <p:nvSpPr>
+          <p:cNvPr id="2" name="Title 1"/>
+          <p:cNvSpPr>
+            <a:spLocks noGrp="1"/>
+          </p:cNvSpPr>
+          <p:nvPr>
+            <p:ph type="title"/>
+          </p:nvPr>
+        </p:nvSpPr>
+        <p:spPr>
+          <a:xfrm>
+            <a:off x="838200" y="365126"/>
+            <a:ext cx="10515600" cy="687610"/>
+          </a:xfrm>
+        </p:spPr>
+        <p:txBody>
+          <a:bodyPr anchor="t"/>
+          <a:lstStyle/>
+          <a:p>
+            <a:pPr algn="ctr"/>
+            <a:r>
+              <a:rPr lang="en-US" dirty="0" smtClean="0"/>
               <a:t>Agile Project Plan(3)</a:t>
             </a:r>
             <a:endParaRPr lang="en-IN" dirty="0"/>
@@ -12847,7 +13038,7 @@
             <p:ph idx="1"/>
             <p:extLst>
               <p:ext uri="{D42A27DB-BD31-4B8C-83A1-F6EECF244321}">
-                <p14:modId xmlns:p14="http://schemas.microsoft.com/office/powerpoint/2010/main" val="127167674"/>
+                <p14:modId xmlns:p14="http://schemas.microsoft.com/office/powerpoint/2010/main" val="2530330400"/>
               </p:ext>
             </p:extLst>
           </p:nvPr>
@@ -13629,8 +13820,8 @@
                     <a:lstStyle/>
                     <a:p>
                       <a:r>
-                        <a:rPr lang="en-US" sz="1800" dirty="0" smtClean="0"/>
-                        <a:t>Complete</a:t>
+                        <a:rPr lang="en-US" sz="1800" dirty="0" err="1" smtClean="0"/>
+                        <a:t>InComplete</a:t>
                       </a:r>
                       <a:endParaRPr lang="en-IN" sz="1800" dirty="0"/>
                     </a:p>
@@ -13652,13 +13843,13 @@
   <p:clrMapOvr>
     <a:masterClrMapping/>
   </p:clrMapOvr>
-  <mc:AlternateContent xmlns:mc="http://schemas.openxmlformats.org/markup-compatibility/2006">
-    <mc:Choice xmlns:p14="http://schemas.microsoft.com/office/powerpoint/2010/main" Requires="p14">
+  <mc:AlternateContent xmlns:mc="http://schemas.openxmlformats.org/markup-compatibility/2006" xmlns:p14="http://schemas.microsoft.com/office/powerpoint/2010/main">
+    <mc:Choice Requires="p14">
       <p:transition spd="med" p14:dur="700">
         <p:fade/>
       </p:transition>
     </mc:Choice>
-    <mc:Fallback>
+    <mc:Fallback xmlns="">
       <p:transition spd="med">
         <p:fade/>
       </p:transition>
@@ -13858,6 +14049,106 @@
       </p:par>
     </p:tnLst>
   </p:timing>
+</p:sld>
+</file>
+
+<file path=ppt/slides/slide30.xml><?xml version="1.0" encoding="utf-8"?>
+<p:sld xmlns:a="http://schemas.openxmlformats.org/drawingml/2006/main" xmlns:r="http://schemas.openxmlformats.org/officeDocument/2006/relationships" xmlns:p="http://schemas.openxmlformats.org/presentationml/2006/main">
+  <p:cSld>
+    <p:spTree>
+      <p:nvGrpSpPr>
+        <p:cNvPr id="1" name=""/>
+        <p:cNvGrpSpPr/>
+        <p:nvPr/>
+      </p:nvGrpSpPr>
+      <p:grpSpPr>
+        <a:xfrm>
+          <a:off x="0" y="0"/>
+          <a:ext cx="0" cy="0"/>
+          <a:chOff x="0" y="0"/>
+          <a:chExt cx="0" cy="0"/>
+        </a:xfrm>
+      </p:grpSpPr>
+      <p:sp>
+        <p:nvSpPr>
+          <p:cNvPr id="2" name="Title 1"/>
+          <p:cNvSpPr>
+            <a:spLocks noGrp="1"/>
+          </p:cNvSpPr>
+          <p:nvPr>
+            <p:ph type="title"/>
+          </p:nvPr>
+        </p:nvSpPr>
+        <p:spPr>
+          <a:xfrm>
+            <a:off x="1127448" y="404664"/>
+            <a:ext cx="9362256" cy="615602"/>
+          </a:xfrm>
+        </p:spPr>
+        <p:txBody>
+          <a:bodyPr anchor="t"/>
+          <a:lstStyle/>
+          <a:p>
+            <a:pPr algn="ctr"/>
+            <a:r>
+              <a:rPr lang="en-US" dirty="0" smtClean="0"/>
+              <a:t>Agile Roadmap (3)</a:t>
+            </a:r>
+            <a:endParaRPr lang="en-IN" dirty="0"/>
+          </a:p>
+        </p:txBody>
+      </p:sp>
+      <p:pic>
+        <p:nvPicPr>
+          <p:cNvPr id="4" name="Content Placeholder 3"/>
+          <p:cNvPicPr>
+            <a:picLocks noGrp="1" noChangeAspect="1"/>
+          </p:cNvPicPr>
+          <p:nvPr>
+            <p:ph idx="1"/>
+          </p:nvPr>
+        </p:nvPicPr>
+        <p:blipFill>
+          <a:blip r:embed="rId2">
+            <a:extLst>
+              <a:ext uri="{28A0092B-C50C-407E-A947-70E740481C1C}">
+                <a14:useLocalDpi xmlns:a14="http://schemas.microsoft.com/office/drawing/2010/main" val="0"/>
+              </a:ext>
+            </a:extLst>
+          </a:blip>
+          <a:stretch>
+            <a:fillRect/>
+          </a:stretch>
+        </p:blipFill>
+        <p:spPr>
+          <a:xfrm>
+            <a:off x="191344" y="1196752"/>
+            <a:ext cx="11682849" cy="5040560"/>
+          </a:xfrm>
+        </p:spPr>
+      </p:pic>
+    </p:spTree>
+    <p:extLst>
+      <p:ext uri="{BB962C8B-B14F-4D97-AF65-F5344CB8AC3E}">
+        <p14:creationId xmlns:p14="http://schemas.microsoft.com/office/powerpoint/2010/main" val="1298494095"/>
+      </p:ext>
+    </p:extLst>
+  </p:cSld>
+  <p:clrMapOvr>
+    <a:masterClrMapping/>
+  </p:clrMapOvr>
+  <mc:AlternateContent xmlns:mc="http://schemas.openxmlformats.org/markup-compatibility/2006">
+    <mc:Choice xmlns:p14="http://schemas.microsoft.com/office/powerpoint/2010/main" Requires="p14">
+      <p:transition spd="med" p14:dur="700">
+        <p:fade/>
+      </p:transition>
+    </mc:Choice>
+    <mc:Fallback>
+      <p:transition spd="med">
+        <p:fade/>
+      </p:transition>
+    </mc:Fallback>
+  </mc:AlternateContent>
 </p:sld>
 </file>
 
